--- a/topic02/talk-0/Physical Computing.pptx
+++ b/topic02/talk-0/Physical Computing.pptx
@@ -5,7 +5,7 @@
     <p:sldMasterId id="2147483648" r:id="rId1"/>
   </p:sldMasterIdLst>
   <p:notesMasterIdLst>
-    <p:notesMasterId r:id="rId21"/>
+    <p:notesMasterId r:id="rId24"/>
   </p:notesMasterIdLst>
   <p:sldIdLst>
     <p:sldId id="256" r:id="rId2"/>
@@ -27,6 +27,9 @@
     <p:sldId id="283" r:id="rId18"/>
     <p:sldId id="270" r:id="rId19"/>
     <p:sldId id="271" r:id="rId20"/>
+    <p:sldId id="284" r:id="rId21"/>
+    <p:sldId id="285" r:id="rId22"/>
+    <p:sldId id="286" r:id="rId23"/>
   </p:sldIdLst>
   <p:sldSz cx="12192000" cy="6858000"/>
   <p:notesSz cx="6858000" cy="9144000"/>
@@ -7573,7 +7576,7 @@
           <a:p>
             <a:fld id="{EB0ED5A0-5633-45BE-A86E-B697A94EA313}" type="datetimeFigureOut">
               <a:rPr lang="en-IE" smtClean="0"/>
-              <a:t>19/01/2023</a:t>
+              <a:t>26/01/2023</a:t>
             </a:fld>
             <a:endParaRPr lang="en-IE"/>
           </a:p>
@@ -7935,6 +7938,90 @@
 </p:notes>
 </file>
 
+<file path=ppt/notesSlides/notesSlide10.xml><?xml version="1.0" encoding="utf-8"?>
+<p:notes xmlns:a="http://schemas.openxmlformats.org/drawingml/2006/main" xmlns:r="http://schemas.openxmlformats.org/officeDocument/2006/relationships" xmlns:p="http://schemas.openxmlformats.org/presentationml/2006/main">
+  <p:cSld>
+    <p:spTree>
+      <p:nvGrpSpPr>
+        <p:cNvPr id="1" name=""/>
+        <p:cNvGrpSpPr/>
+        <p:nvPr/>
+      </p:nvGrpSpPr>
+      <p:grpSpPr>
+        <a:xfrm>
+          <a:off x="0" y="0"/>
+          <a:ext cx="0" cy="0"/>
+          <a:chOff x="0" y="0"/>
+          <a:chExt cx="0" cy="0"/>
+        </a:xfrm>
+      </p:grpSpPr>
+      <p:sp>
+        <p:nvSpPr>
+          <p:cNvPr id="2" name="Slide Image Placeholder 1"/>
+          <p:cNvSpPr>
+            <a:spLocks noGrp="1" noRot="1" noChangeAspect="1"/>
+          </p:cNvSpPr>
+          <p:nvPr>
+            <p:ph type="sldImg"/>
+          </p:nvPr>
+        </p:nvSpPr>
+        <p:spPr/>
+      </p:sp>
+      <p:sp>
+        <p:nvSpPr>
+          <p:cNvPr id="3" name="Notes Placeholder 2"/>
+          <p:cNvSpPr>
+            <a:spLocks noGrp="1"/>
+          </p:cNvSpPr>
+          <p:nvPr>
+            <p:ph type="body" idx="1"/>
+          </p:nvPr>
+        </p:nvSpPr>
+        <p:spPr/>
+        <p:txBody>
+          <a:bodyPr/>
+          <a:lstStyle/>
+          <a:p>
+            <a:endParaRPr lang="en-IE" dirty="0"/>
+          </a:p>
+        </p:txBody>
+      </p:sp>
+      <p:sp>
+        <p:nvSpPr>
+          <p:cNvPr id="4" name="Slide Number Placeholder 3"/>
+          <p:cNvSpPr>
+            <a:spLocks noGrp="1"/>
+          </p:cNvSpPr>
+          <p:nvPr>
+            <p:ph type="sldNum" sz="quarter" idx="5"/>
+          </p:nvPr>
+        </p:nvSpPr>
+        <p:spPr/>
+        <p:txBody>
+          <a:bodyPr/>
+          <a:lstStyle/>
+          <a:p>
+            <a:fld id="{5346ADC4-7272-4738-B78D-8EDA1D308FEF}" type="slidenum">
+              <a:rPr lang="en-IE" smtClean="0"/>
+              <a:t>22</a:t>
+            </a:fld>
+            <a:endParaRPr lang="en-IE"/>
+          </a:p>
+        </p:txBody>
+      </p:sp>
+    </p:spTree>
+    <p:extLst>
+      <p:ext uri="{BB962C8B-B14F-4D97-AF65-F5344CB8AC3E}">
+        <p14:creationId xmlns:p14="http://schemas.microsoft.com/office/powerpoint/2010/main" val="3044681537"/>
+      </p:ext>
+    </p:extLst>
+  </p:cSld>
+  <p:clrMapOvr>
+    <a:masterClrMapping/>
+  </p:clrMapOvr>
+</p:notes>
+</file>
+
 <file path=ppt/notesSlides/notesSlide2.xml><?xml version="1.0" encoding="utf-8"?>
 <p:notes xmlns:a="http://schemas.openxmlformats.org/drawingml/2006/main" xmlns:r="http://schemas.openxmlformats.org/officeDocument/2006/relationships" xmlns:p="http://schemas.openxmlformats.org/presentationml/2006/main">
   <p:cSld>
@@ -8983,6 +9070,90 @@
 </p:notes>
 </file>
 
+<file path=ppt/notesSlides/notesSlide9.xml><?xml version="1.0" encoding="utf-8"?>
+<p:notes xmlns:a="http://schemas.openxmlformats.org/drawingml/2006/main" xmlns:r="http://schemas.openxmlformats.org/officeDocument/2006/relationships" xmlns:p="http://schemas.openxmlformats.org/presentationml/2006/main">
+  <p:cSld>
+    <p:spTree>
+      <p:nvGrpSpPr>
+        <p:cNvPr id="1" name=""/>
+        <p:cNvGrpSpPr/>
+        <p:nvPr/>
+      </p:nvGrpSpPr>
+      <p:grpSpPr>
+        <a:xfrm>
+          <a:off x="0" y="0"/>
+          <a:ext cx="0" cy="0"/>
+          <a:chOff x="0" y="0"/>
+          <a:chExt cx="0" cy="0"/>
+        </a:xfrm>
+      </p:grpSpPr>
+      <p:sp>
+        <p:nvSpPr>
+          <p:cNvPr id="2" name="Slide Image Placeholder 1"/>
+          <p:cNvSpPr>
+            <a:spLocks noGrp="1" noRot="1" noChangeAspect="1"/>
+          </p:cNvSpPr>
+          <p:nvPr>
+            <p:ph type="sldImg"/>
+          </p:nvPr>
+        </p:nvSpPr>
+        <p:spPr/>
+      </p:sp>
+      <p:sp>
+        <p:nvSpPr>
+          <p:cNvPr id="3" name="Notes Placeholder 2"/>
+          <p:cNvSpPr>
+            <a:spLocks noGrp="1"/>
+          </p:cNvSpPr>
+          <p:nvPr>
+            <p:ph type="body" idx="1"/>
+          </p:nvPr>
+        </p:nvSpPr>
+        <p:spPr/>
+        <p:txBody>
+          <a:bodyPr/>
+          <a:lstStyle/>
+          <a:p>
+            <a:endParaRPr lang="en-IE" dirty="0"/>
+          </a:p>
+        </p:txBody>
+      </p:sp>
+      <p:sp>
+        <p:nvSpPr>
+          <p:cNvPr id="4" name="Slide Number Placeholder 3"/>
+          <p:cNvSpPr>
+            <a:spLocks noGrp="1"/>
+          </p:cNvSpPr>
+          <p:nvPr>
+            <p:ph type="sldNum" sz="quarter" idx="5"/>
+          </p:nvPr>
+        </p:nvSpPr>
+        <p:spPr/>
+        <p:txBody>
+          <a:bodyPr/>
+          <a:lstStyle/>
+          <a:p>
+            <a:fld id="{5346ADC4-7272-4738-B78D-8EDA1D308FEF}" type="slidenum">
+              <a:rPr lang="en-IE" smtClean="0"/>
+              <a:t>20</a:t>
+            </a:fld>
+            <a:endParaRPr lang="en-IE"/>
+          </a:p>
+        </p:txBody>
+      </p:sp>
+    </p:spTree>
+    <p:extLst>
+      <p:ext uri="{BB962C8B-B14F-4D97-AF65-F5344CB8AC3E}">
+        <p14:creationId xmlns:p14="http://schemas.microsoft.com/office/powerpoint/2010/main" val="3150235707"/>
+      </p:ext>
+    </p:extLst>
+  </p:cSld>
+  <p:clrMapOvr>
+    <a:masterClrMapping/>
+  </p:clrMapOvr>
+</p:notes>
+</file>
+
 <file path=ppt/slideLayouts/slideLayout1.xml><?xml version="1.0" encoding="utf-8"?>
 <p:sldLayout xmlns:a="http://schemas.openxmlformats.org/drawingml/2006/main" xmlns:r="http://schemas.openxmlformats.org/officeDocument/2006/relationships" xmlns:p="http://schemas.openxmlformats.org/presentationml/2006/main" type="title" preserve="1">
   <p:cSld name="Title Slide">
@@ -9132,7 +9303,7 @@
           <a:p>
             <a:fld id="{8981E671-A24B-4219-83A0-F7E354B9FD85}" type="datetimeFigureOut">
               <a:rPr lang="en-IE" smtClean="0"/>
-              <a:t>19/01/2023</a:t>
+              <a:t>26/01/2023</a:t>
             </a:fld>
             <a:endParaRPr lang="en-IE"/>
           </a:p>
@@ -9332,7 +9503,7 @@
           <a:p>
             <a:fld id="{8981E671-A24B-4219-83A0-F7E354B9FD85}" type="datetimeFigureOut">
               <a:rPr lang="en-IE" smtClean="0"/>
-              <a:t>19/01/2023</a:t>
+              <a:t>26/01/2023</a:t>
             </a:fld>
             <a:endParaRPr lang="en-IE"/>
           </a:p>
@@ -9542,7 +9713,7 @@
           <a:p>
             <a:fld id="{8981E671-A24B-4219-83A0-F7E354B9FD85}" type="datetimeFigureOut">
               <a:rPr lang="en-IE" smtClean="0"/>
-              <a:t>19/01/2023</a:t>
+              <a:t>26/01/2023</a:t>
             </a:fld>
             <a:endParaRPr lang="en-IE"/>
           </a:p>
@@ -9742,7 +9913,7 @@
           <a:p>
             <a:fld id="{8981E671-A24B-4219-83A0-F7E354B9FD85}" type="datetimeFigureOut">
               <a:rPr lang="en-IE" smtClean="0"/>
-              <a:t>19/01/2023</a:t>
+              <a:t>26/01/2023</a:t>
             </a:fld>
             <a:endParaRPr lang="en-IE"/>
           </a:p>
@@ -10018,7 +10189,7 @@
           <a:p>
             <a:fld id="{8981E671-A24B-4219-83A0-F7E354B9FD85}" type="datetimeFigureOut">
               <a:rPr lang="en-IE" smtClean="0"/>
-              <a:t>19/01/2023</a:t>
+              <a:t>26/01/2023</a:t>
             </a:fld>
             <a:endParaRPr lang="en-IE"/>
           </a:p>
@@ -10286,7 +10457,7 @@
           <a:p>
             <a:fld id="{8981E671-A24B-4219-83A0-F7E354B9FD85}" type="datetimeFigureOut">
               <a:rPr lang="en-IE" smtClean="0"/>
-              <a:t>19/01/2023</a:t>
+              <a:t>26/01/2023</a:t>
             </a:fld>
             <a:endParaRPr lang="en-IE"/>
           </a:p>
@@ -10701,7 +10872,7 @@
           <a:p>
             <a:fld id="{8981E671-A24B-4219-83A0-F7E354B9FD85}" type="datetimeFigureOut">
               <a:rPr lang="en-IE" smtClean="0"/>
-              <a:t>19/01/2023</a:t>
+              <a:t>26/01/2023</a:t>
             </a:fld>
             <a:endParaRPr lang="en-IE"/>
           </a:p>
@@ -10843,7 +11014,7 @@
           <a:p>
             <a:fld id="{8981E671-A24B-4219-83A0-F7E354B9FD85}" type="datetimeFigureOut">
               <a:rPr lang="en-IE" smtClean="0"/>
-              <a:t>19/01/2023</a:t>
+              <a:t>26/01/2023</a:t>
             </a:fld>
             <a:endParaRPr lang="en-IE"/>
           </a:p>
@@ -10956,7 +11127,7 @@
           <a:p>
             <a:fld id="{8981E671-A24B-4219-83A0-F7E354B9FD85}" type="datetimeFigureOut">
               <a:rPr lang="en-IE" smtClean="0"/>
-              <a:t>19/01/2023</a:t>
+              <a:t>26/01/2023</a:t>
             </a:fld>
             <a:endParaRPr lang="en-IE"/>
           </a:p>
@@ -11269,7 +11440,7 @@
           <a:p>
             <a:fld id="{8981E671-A24B-4219-83A0-F7E354B9FD85}" type="datetimeFigureOut">
               <a:rPr lang="en-IE" smtClean="0"/>
-              <a:t>19/01/2023</a:t>
+              <a:t>26/01/2023</a:t>
             </a:fld>
             <a:endParaRPr lang="en-IE"/>
           </a:p>
@@ -11558,7 +11729,7 @@
           <a:p>
             <a:fld id="{8981E671-A24B-4219-83A0-F7E354B9FD85}" type="datetimeFigureOut">
               <a:rPr lang="en-IE" smtClean="0"/>
-              <a:t>19/01/2023</a:t>
+              <a:t>26/01/2023</a:t>
             </a:fld>
             <a:endParaRPr lang="en-IE"/>
           </a:p>
@@ -11801,7 +11972,7 @@
           <a:p>
             <a:fld id="{8981E671-A24B-4219-83A0-F7E354B9FD85}" type="datetimeFigureOut">
               <a:rPr lang="en-IE" smtClean="0"/>
-              <a:t>19/01/2023</a:t>
+              <a:t>26/01/2023</a:t>
             </a:fld>
             <a:endParaRPr lang="en-IE"/>
           </a:p>
@@ -15838,12 +16009,59 @@
         </p:blipFill>
         <p:spPr>
           <a:xfrm>
-            <a:off x="1668260" y="1270038"/>
-            <a:ext cx="9350839" cy="5472437"/>
+            <a:off x="337548" y="2422331"/>
+            <a:ext cx="4536967" cy="2655191"/>
           </a:xfrm>
           <a:prstGeom prst="rect">
             <a:avLst/>
           </a:prstGeom>
+        </p:spPr>
+      </p:pic>
+      <p:pic>
+        <p:nvPicPr>
+          <p:cNvPr id="2050" name="Picture 2" descr="GitHub - dvelaren/smart-weather-eafit: Arduino weather station using ...">
+            <a:extLst>
+              <a:ext uri="{FF2B5EF4-FFF2-40B4-BE49-F238E27FC236}">
+                <a16:creationId xmlns:a16="http://schemas.microsoft.com/office/drawing/2014/main" id="{8F149F3E-8B4A-5D63-2575-C3B7BCEA76D1}"/>
+              </a:ext>
+            </a:extLst>
+          </p:cNvPr>
+          <p:cNvPicPr>
+            <a:picLocks noChangeAspect="1" noChangeArrowheads="1"/>
+          </p:cNvPicPr>
+          <p:nvPr/>
+        </p:nvPicPr>
+        <p:blipFill>
+          <a:blip r:embed="rId3">
+            <a:extLst>
+              <a:ext uri="{28A0092B-C50C-407E-A947-70E740481C1C}">
+                <a14:useLocalDpi xmlns:a14="http://schemas.microsoft.com/office/drawing/2010/main" val="0"/>
+              </a:ext>
+            </a:extLst>
+          </a:blip>
+          <a:srcRect/>
+          <a:stretch>
+            <a:fillRect/>
+          </a:stretch>
+        </p:blipFill>
+        <p:spPr bwMode="auto">
+          <a:xfrm>
+            <a:off x="5143075" y="2099567"/>
+            <a:ext cx="6978646" cy="4308668"/>
+          </a:xfrm>
+          <a:prstGeom prst="rect">
+            <a:avLst/>
+          </a:prstGeom>
+          <a:noFill/>
+          <a:extLst>
+            <a:ext uri="{909E8E84-426E-40DD-AFC4-6F175D3DCCD1}">
+              <a14:hiddenFill xmlns:a14="http://schemas.microsoft.com/office/drawing/2010/main">
+                <a:solidFill>
+                  <a:srgbClr val="FFFFFF"/>
+                </a:solidFill>
+              </a14:hiddenFill>
+            </a:ext>
+          </a:extLst>
         </p:spPr>
       </p:pic>
     </p:spTree>
@@ -16796,6 +17014,2202 @@
   </p:cSld>
   <p:clrMapOvr>
     <a:overrideClrMapping bg1="dk1" tx1="lt1" bg2="dk2" tx2="lt2" accent1="accent1" accent2="accent2" accent3="accent3" accent4="accent4" accent5="accent5" accent6="accent6" hlink="hlink" folHlink="folHlink"/>
+  </p:clrMapOvr>
+</p:sld>
+</file>
+
+<file path=ppt/slides/slide20.xml><?xml version="1.0" encoding="utf-8"?>
+<p:sld xmlns:a="http://schemas.openxmlformats.org/drawingml/2006/main" xmlns:r="http://schemas.openxmlformats.org/officeDocument/2006/relationships" xmlns:p="http://schemas.openxmlformats.org/presentationml/2006/main">
+  <p:cSld>
+    <p:bg>
+      <p:bgPr>
+        <a:solidFill>
+          <a:schemeClr val="bg1"/>
+        </a:solidFill>
+        <a:effectLst/>
+      </p:bgPr>
+    </p:bg>
+    <p:spTree>
+      <p:nvGrpSpPr>
+        <p:cNvPr id="1" name=""/>
+        <p:cNvGrpSpPr/>
+        <p:nvPr/>
+      </p:nvGrpSpPr>
+      <p:grpSpPr>
+        <a:xfrm>
+          <a:off x="0" y="0"/>
+          <a:ext cx="0" cy="0"/>
+          <a:chOff x="0" y="0"/>
+          <a:chExt cx="0" cy="0"/>
+        </a:xfrm>
+      </p:grpSpPr>
+      <p:sp useBgFill="1">
+        <p:nvSpPr>
+          <p:cNvPr id="1031" name="Rectangle 1030">
+            <a:extLst>
+              <a:ext uri="{FF2B5EF4-FFF2-40B4-BE49-F238E27FC236}">
+                <a16:creationId xmlns:a16="http://schemas.microsoft.com/office/drawing/2014/main" id="{45D37F4E-DDB4-456B-97E0-9937730A039F}"/>
+              </a:ext>
+              <a:ext uri="{C183D7F6-B498-43B3-948B-1728B52AA6E4}">
+                <adec:decorative xmlns:adec="http://schemas.microsoft.com/office/drawing/2017/decorative" val="1"/>
+              </a:ext>
+            </a:extLst>
+          </p:cNvPr>
+          <p:cNvSpPr>
+            <a:spLocks noGrp="1" noRot="1" noChangeAspect="1" noMove="1" noResize="1" noEditPoints="1" noAdjustHandles="1" noChangeArrowheads="1" noChangeShapeType="1" noTextEdit="1"/>
+          </p:cNvSpPr>
+          <p:nvPr>
+            <p:extLst>
+              <p:ext uri="{386F3935-93C4-4BCD-93E2-E3B085C9AB24}">
+                <p16:designElem xmlns:p16="http://schemas.microsoft.com/office/powerpoint/2015/main" val="1"/>
+              </p:ext>
+            </p:extLst>
+          </p:nvPr>
+        </p:nvSpPr>
+        <p:spPr>
+          <a:xfrm>
+            <a:off x="0" y="0"/>
+            <a:ext cx="12188952" cy="6858000"/>
+          </a:xfrm>
+          <a:prstGeom prst="rect">
+            <a:avLst/>
+          </a:prstGeom>
+          <a:ln>
+            <a:noFill/>
+          </a:ln>
+        </p:spPr>
+        <p:style>
+          <a:lnRef idx="2">
+            <a:schemeClr val="accent1">
+              <a:shade val="50000"/>
+            </a:schemeClr>
+          </a:lnRef>
+          <a:fillRef idx="1">
+            <a:schemeClr val="accent1"/>
+          </a:fillRef>
+          <a:effectRef idx="0">
+            <a:schemeClr val="accent1"/>
+          </a:effectRef>
+          <a:fontRef idx="minor">
+            <a:schemeClr val="lt1"/>
+          </a:fontRef>
+        </p:style>
+        <p:txBody>
+          <a:bodyPr rtlCol="0" anchor="ctr"/>
+          <a:lstStyle/>
+          <a:p>
+            <a:pPr algn="ctr"/>
+            <a:endParaRPr lang="en-US"/>
+          </a:p>
+        </p:txBody>
+      </p:sp>
+      <p:sp>
+        <p:nvSpPr>
+          <p:cNvPr id="2" name="Title 1">
+            <a:extLst>
+              <a:ext uri="{FF2B5EF4-FFF2-40B4-BE49-F238E27FC236}">
+                <a16:creationId xmlns:a16="http://schemas.microsoft.com/office/drawing/2014/main" id="{4F2EBC4A-C660-084E-E963-B3729B97AA1A}"/>
+              </a:ext>
+            </a:extLst>
+          </p:cNvPr>
+          <p:cNvSpPr>
+            <a:spLocks noGrp="1"/>
+          </p:cNvSpPr>
+          <p:nvPr>
+            <p:ph type="title"/>
+          </p:nvPr>
+        </p:nvSpPr>
+        <p:spPr>
+          <a:xfrm>
+            <a:off x="572493" y="238539"/>
+            <a:ext cx="11018520" cy="1434415"/>
+          </a:xfrm>
+        </p:spPr>
+        <p:txBody>
+          <a:bodyPr anchor="b">
+            <a:normAutofit/>
+          </a:bodyPr>
+          <a:lstStyle/>
+          <a:p>
+            <a:r>
+              <a:rPr lang="en-GB" sz="5400"/>
+              <a:t>Sensors</a:t>
+            </a:r>
+            <a:endParaRPr lang="en-IE" sz="5400"/>
+          </a:p>
+        </p:txBody>
+      </p:sp>
+      <p:sp>
+        <p:nvSpPr>
+          <p:cNvPr id="1033" name="sketchy line">
+            <a:extLst>
+              <a:ext uri="{FF2B5EF4-FFF2-40B4-BE49-F238E27FC236}">
+                <a16:creationId xmlns:a16="http://schemas.microsoft.com/office/drawing/2014/main" id="{B2DD41CD-8F47-4F56-AD12-4E2FF7696987}"/>
+              </a:ext>
+              <a:ext uri="{C183D7F6-B498-43B3-948B-1728B52AA6E4}">
+                <adec:decorative xmlns:adec="http://schemas.microsoft.com/office/drawing/2017/decorative" val="1"/>
+              </a:ext>
+            </a:extLst>
+          </p:cNvPr>
+          <p:cNvSpPr>
+            <a:spLocks noGrp="1" noRot="1" noChangeAspect="1" noMove="1" noResize="1" noEditPoints="1" noAdjustHandles="1" noChangeArrowheads="1" noChangeShapeType="1" noTextEdit="1"/>
+          </p:cNvSpPr>
+          <p:nvPr>
+            <p:extLst>
+              <p:ext uri="{386F3935-93C4-4BCD-93E2-E3B085C9AB24}">
+                <p16:designElem xmlns:p16="http://schemas.microsoft.com/office/powerpoint/2015/main" val="1"/>
+              </p:ext>
+            </p:extLst>
+          </p:nvPr>
+        </p:nvSpPr>
+        <p:spPr>
+          <a:xfrm>
+            <a:off x="572493" y="1681544"/>
+            <a:ext cx="10972800" cy="18288"/>
+          </a:xfrm>
+          <a:custGeom>
+            <a:avLst/>
+            <a:gdLst>
+              <a:gd name="connsiteX0" fmla="*/ 0 w 10972800"/>
+              <a:gd name="connsiteY0" fmla="*/ 0 h 18288"/>
+              <a:gd name="connsiteX1" fmla="*/ 356616 w 10972800"/>
+              <a:gd name="connsiteY1" fmla="*/ 0 h 18288"/>
+              <a:gd name="connsiteX2" fmla="*/ 1042416 w 10972800"/>
+              <a:gd name="connsiteY2" fmla="*/ 0 h 18288"/>
+              <a:gd name="connsiteX3" fmla="*/ 1947672 w 10972800"/>
+              <a:gd name="connsiteY3" fmla="*/ 0 h 18288"/>
+              <a:gd name="connsiteX4" fmla="*/ 2633472 w 10972800"/>
+              <a:gd name="connsiteY4" fmla="*/ 0 h 18288"/>
+              <a:gd name="connsiteX5" fmla="*/ 2990088 w 10972800"/>
+              <a:gd name="connsiteY5" fmla="*/ 0 h 18288"/>
+              <a:gd name="connsiteX6" fmla="*/ 3456432 w 10972800"/>
+              <a:gd name="connsiteY6" fmla="*/ 0 h 18288"/>
+              <a:gd name="connsiteX7" fmla="*/ 4361688 w 10972800"/>
+              <a:gd name="connsiteY7" fmla="*/ 0 h 18288"/>
+              <a:gd name="connsiteX8" fmla="*/ 5266944 w 10972800"/>
+              <a:gd name="connsiteY8" fmla="*/ 0 h 18288"/>
+              <a:gd name="connsiteX9" fmla="*/ 6172200 w 10972800"/>
+              <a:gd name="connsiteY9" fmla="*/ 0 h 18288"/>
+              <a:gd name="connsiteX10" fmla="*/ 6528816 w 10972800"/>
+              <a:gd name="connsiteY10" fmla="*/ 0 h 18288"/>
+              <a:gd name="connsiteX11" fmla="*/ 7214616 w 10972800"/>
+              <a:gd name="connsiteY11" fmla="*/ 0 h 18288"/>
+              <a:gd name="connsiteX12" fmla="*/ 7790688 w 10972800"/>
+              <a:gd name="connsiteY12" fmla="*/ 0 h 18288"/>
+              <a:gd name="connsiteX13" fmla="*/ 8147304 w 10972800"/>
+              <a:gd name="connsiteY13" fmla="*/ 0 h 18288"/>
+              <a:gd name="connsiteX14" fmla="*/ 9052560 w 10972800"/>
+              <a:gd name="connsiteY14" fmla="*/ 0 h 18288"/>
+              <a:gd name="connsiteX15" fmla="*/ 9409176 w 10972800"/>
+              <a:gd name="connsiteY15" fmla="*/ 0 h 18288"/>
+              <a:gd name="connsiteX16" fmla="*/ 9765792 w 10972800"/>
+              <a:gd name="connsiteY16" fmla="*/ 0 h 18288"/>
+              <a:gd name="connsiteX17" fmla="*/ 10341864 w 10972800"/>
+              <a:gd name="connsiteY17" fmla="*/ 0 h 18288"/>
+              <a:gd name="connsiteX18" fmla="*/ 10972800 w 10972800"/>
+              <a:gd name="connsiteY18" fmla="*/ 0 h 18288"/>
+              <a:gd name="connsiteX19" fmla="*/ 10972800 w 10972800"/>
+              <a:gd name="connsiteY19" fmla="*/ 18288 h 18288"/>
+              <a:gd name="connsiteX20" fmla="*/ 10177272 w 10972800"/>
+              <a:gd name="connsiteY20" fmla="*/ 18288 h 18288"/>
+              <a:gd name="connsiteX21" fmla="*/ 9820656 w 10972800"/>
+              <a:gd name="connsiteY21" fmla="*/ 18288 h 18288"/>
+              <a:gd name="connsiteX22" fmla="*/ 9464040 w 10972800"/>
+              <a:gd name="connsiteY22" fmla="*/ 18288 h 18288"/>
+              <a:gd name="connsiteX23" fmla="*/ 8778240 w 10972800"/>
+              <a:gd name="connsiteY23" fmla="*/ 18288 h 18288"/>
+              <a:gd name="connsiteX24" fmla="*/ 8421624 w 10972800"/>
+              <a:gd name="connsiteY24" fmla="*/ 18288 h 18288"/>
+              <a:gd name="connsiteX25" fmla="*/ 7735824 w 10972800"/>
+              <a:gd name="connsiteY25" fmla="*/ 18288 h 18288"/>
+              <a:gd name="connsiteX26" fmla="*/ 6940296 w 10972800"/>
+              <a:gd name="connsiteY26" fmla="*/ 18288 h 18288"/>
+              <a:gd name="connsiteX27" fmla="*/ 6254496 w 10972800"/>
+              <a:gd name="connsiteY27" fmla="*/ 18288 h 18288"/>
+              <a:gd name="connsiteX28" fmla="*/ 5458968 w 10972800"/>
+              <a:gd name="connsiteY28" fmla="*/ 18288 h 18288"/>
+              <a:gd name="connsiteX29" fmla="*/ 4663440 w 10972800"/>
+              <a:gd name="connsiteY29" fmla="*/ 18288 h 18288"/>
+              <a:gd name="connsiteX30" fmla="*/ 4306824 w 10972800"/>
+              <a:gd name="connsiteY30" fmla="*/ 18288 h 18288"/>
+              <a:gd name="connsiteX31" fmla="*/ 3840480 w 10972800"/>
+              <a:gd name="connsiteY31" fmla="*/ 18288 h 18288"/>
+              <a:gd name="connsiteX32" fmla="*/ 3264408 w 10972800"/>
+              <a:gd name="connsiteY32" fmla="*/ 18288 h 18288"/>
+              <a:gd name="connsiteX33" fmla="*/ 2578608 w 10972800"/>
+              <a:gd name="connsiteY33" fmla="*/ 18288 h 18288"/>
+              <a:gd name="connsiteX34" fmla="*/ 1673352 w 10972800"/>
+              <a:gd name="connsiteY34" fmla="*/ 18288 h 18288"/>
+              <a:gd name="connsiteX35" fmla="*/ 877824 w 10972800"/>
+              <a:gd name="connsiteY35" fmla="*/ 18288 h 18288"/>
+              <a:gd name="connsiteX36" fmla="*/ 0 w 10972800"/>
+              <a:gd name="connsiteY36" fmla="*/ 18288 h 18288"/>
+              <a:gd name="connsiteX37" fmla="*/ 0 w 10972800"/>
+              <a:gd name="connsiteY37" fmla="*/ 0 h 18288"/>
+            </a:gdLst>
+            <a:ahLst/>
+            <a:cxnLst>
+              <a:cxn ang="0">
+                <a:pos x="connsiteX0" y="connsiteY0"/>
+              </a:cxn>
+              <a:cxn ang="0">
+                <a:pos x="connsiteX1" y="connsiteY1"/>
+              </a:cxn>
+              <a:cxn ang="0">
+                <a:pos x="connsiteX2" y="connsiteY2"/>
+              </a:cxn>
+              <a:cxn ang="0">
+                <a:pos x="connsiteX3" y="connsiteY3"/>
+              </a:cxn>
+              <a:cxn ang="0">
+                <a:pos x="connsiteX4" y="connsiteY4"/>
+              </a:cxn>
+              <a:cxn ang="0">
+                <a:pos x="connsiteX5" y="connsiteY5"/>
+              </a:cxn>
+              <a:cxn ang="0">
+                <a:pos x="connsiteX6" y="connsiteY6"/>
+              </a:cxn>
+              <a:cxn ang="0">
+                <a:pos x="connsiteX7" y="connsiteY7"/>
+              </a:cxn>
+              <a:cxn ang="0">
+                <a:pos x="connsiteX8" y="connsiteY8"/>
+              </a:cxn>
+              <a:cxn ang="0">
+                <a:pos x="connsiteX9" y="connsiteY9"/>
+              </a:cxn>
+              <a:cxn ang="0">
+                <a:pos x="connsiteX10" y="connsiteY10"/>
+              </a:cxn>
+              <a:cxn ang="0">
+                <a:pos x="connsiteX11" y="connsiteY11"/>
+              </a:cxn>
+              <a:cxn ang="0">
+                <a:pos x="connsiteX12" y="connsiteY12"/>
+              </a:cxn>
+              <a:cxn ang="0">
+                <a:pos x="connsiteX13" y="connsiteY13"/>
+              </a:cxn>
+              <a:cxn ang="0">
+                <a:pos x="connsiteX14" y="connsiteY14"/>
+              </a:cxn>
+              <a:cxn ang="0">
+                <a:pos x="connsiteX15" y="connsiteY15"/>
+              </a:cxn>
+              <a:cxn ang="0">
+                <a:pos x="connsiteX16" y="connsiteY16"/>
+              </a:cxn>
+              <a:cxn ang="0">
+                <a:pos x="connsiteX17" y="connsiteY17"/>
+              </a:cxn>
+              <a:cxn ang="0">
+                <a:pos x="connsiteX18" y="connsiteY18"/>
+              </a:cxn>
+              <a:cxn ang="0">
+                <a:pos x="connsiteX19" y="connsiteY19"/>
+              </a:cxn>
+              <a:cxn ang="0">
+                <a:pos x="connsiteX20" y="connsiteY20"/>
+              </a:cxn>
+              <a:cxn ang="0">
+                <a:pos x="connsiteX21" y="connsiteY21"/>
+              </a:cxn>
+              <a:cxn ang="0">
+                <a:pos x="connsiteX22" y="connsiteY22"/>
+              </a:cxn>
+              <a:cxn ang="0">
+                <a:pos x="connsiteX23" y="connsiteY23"/>
+              </a:cxn>
+              <a:cxn ang="0">
+                <a:pos x="connsiteX24" y="connsiteY24"/>
+              </a:cxn>
+              <a:cxn ang="0">
+                <a:pos x="connsiteX25" y="connsiteY25"/>
+              </a:cxn>
+              <a:cxn ang="0">
+                <a:pos x="connsiteX26" y="connsiteY26"/>
+              </a:cxn>
+              <a:cxn ang="0">
+                <a:pos x="connsiteX27" y="connsiteY27"/>
+              </a:cxn>
+              <a:cxn ang="0">
+                <a:pos x="connsiteX28" y="connsiteY28"/>
+              </a:cxn>
+              <a:cxn ang="0">
+                <a:pos x="connsiteX29" y="connsiteY29"/>
+              </a:cxn>
+              <a:cxn ang="0">
+                <a:pos x="connsiteX30" y="connsiteY30"/>
+              </a:cxn>
+              <a:cxn ang="0">
+                <a:pos x="connsiteX31" y="connsiteY31"/>
+              </a:cxn>
+              <a:cxn ang="0">
+                <a:pos x="connsiteX32" y="connsiteY32"/>
+              </a:cxn>
+              <a:cxn ang="0">
+                <a:pos x="connsiteX33" y="connsiteY33"/>
+              </a:cxn>
+              <a:cxn ang="0">
+                <a:pos x="connsiteX34" y="connsiteY34"/>
+              </a:cxn>
+              <a:cxn ang="0">
+                <a:pos x="connsiteX35" y="connsiteY35"/>
+              </a:cxn>
+              <a:cxn ang="0">
+                <a:pos x="connsiteX36" y="connsiteY36"/>
+              </a:cxn>
+              <a:cxn ang="0">
+                <a:pos x="connsiteX37" y="connsiteY37"/>
+              </a:cxn>
+            </a:cxnLst>
+            <a:rect l="l" t="t" r="r" b="b"/>
+            <a:pathLst>
+              <a:path w="10972800" h="18288" fill="none" extrusionOk="0">
+                <a:moveTo>
+                  <a:pt x="0" y="0"/>
+                </a:moveTo>
+                <a:cubicBezTo>
+                  <a:pt x="165916" y="-1866"/>
+                  <a:pt x="188720" y="13756"/>
+                  <a:pt x="356616" y="0"/>
+                </a:cubicBezTo>
+                <a:cubicBezTo>
+                  <a:pt x="524512" y="-13756"/>
+                  <a:pt x="734781" y="8922"/>
+                  <a:pt x="1042416" y="0"/>
+                </a:cubicBezTo>
+                <a:cubicBezTo>
+                  <a:pt x="1350051" y="-8922"/>
+                  <a:pt x="1595982" y="-26315"/>
+                  <a:pt x="1947672" y="0"/>
+                </a:cubicBezTo>
+                <a:cubicBezTo>
+                  <a:pt x="2299362" y="26315"/>
+                  <a:pt x="2292691" y="-19526"/>
+                  <a:pt x="2633472" y="0"/>
+                </a:cubicBezTo>
+                <a:cubicBezTo>
+                  <a:pt x="2974253" y="19526"/>
+                  <a:pt x="2857309" y="10773"/>
+                  <a:pt x="2990088" y="0"/>
+                </a:cubicBezTo>
+                <a:cubicBezTo>
+                  <a:pt x="3122867" y="-10773"/>
+                  <a:pt x="3359343" y="7194"/>
+                  <a:pt x="3456432" y="0"/>
+                </a:cubicBezTo>
+                <a:cubicBezTo>
+                  <a:pt x="3553521" y="-7194"/>
+                  <a:pt x="4136258" y="5108"/>
+                  <a:pt x="4361688" y="0"/>
+                </a:cubicBezTo>
+                <a:cubicBezTo>
+                  <a:pt x="4587118" y="-5108"/>
+                  <a:pt x="4992424" y="-42958"/>
+                  <a:pt x="5266944" y="0"/>
+                </a:cubicBezTo>
+                <a:cubicBezTo>
+                  <a:pt x="5541464" y="42958"/>
+                  <a:pt x="5882966" y="-3430"/>
+                  <a:pt x="6172200" y="0"/>
+                </a:cubicBezTo>
+                <a:cubicBezTo>
+                  <a:pt x="6461434" y="3430"/>
+                  <a:pt x="6432127" y="6688"/>
+                  <a:pt x="6528816" y="0"/>
+                </a:cubicBezTo>
+                <a:cubicBezTo>
+                  <a:pt x="6625505" y="-6688"/>
+                  <a:pt x="6916805" y="-436"/>
+                  <a:pt x="7214616" y="0"/>
+                </a:cubicBezTo>
+                <a:cubicBezTo>
+                  <a:pt x="7512427" y="436"/>
+                  <a:pt x="7626159" y="-6909"/>
+                  <a:pt x="7790688" y="0"/>
+                </a:cubicBezTo>
+                <a:cubicBezTo>
+                  <a:pt x="7955217" y="6909"/>
+                  <a:pt x="8048891" y="15307"/>
+                  <a:pt x="8147304" y="0"/>
+                </a:cubicBezTo>
+                <a:cubicBezTo>
+                  <a:pt x="8245717" y="-15307"/>
+                  <a:pt x="8645618" y="-11734"/>
+                  <a:pt x="9052560" y="0"/>
+                </a:cubicBezTo>
+                <a:cubicBezTo>
+                  <a:pt x="9459502" y="11734"/>
+                  <a:pt x="9320584" y="8388"/>
+                  <a:pt x="9409176" y="0"/>
+                </a:cubicBezTo>
+                <a:cubicBezTo>
+                  <a:pt x="9497768" y="-8388"/>
+                  <a:pt x="9644192" y="8379"/>
+                  <a:pt x="9765792" y="0"/>
+                </a:cubicBezTo>
+                <a:cubicBezTo>
+                  <a:pt x="9887392" y="-8379"/>
+                  <a:pt x="10105220" y="-12663"/>
+                  <a:pt x="10341864" y="0"/>
+                </a:cubicBezTo>
+                <a:cubicBezTo>
+                  <a:pt x="10578508" y="12663"/>
+                  <a:pt x="10773103" y="-5786"/>
+                  <a:pt x="10972800" y="0"/>
+                </a:cubicBezTo>
+                <a:cubicBezTo>
+                  <a:pt x="10972146" y="8818"/>
+                  <a:pt x="10972240" y="13823"/>
+                  <a:pt x="10972800" y="18288"/>
+                </a:cubicBezTo>
+                <a:cubicBezTo>
+                  <a:pt x="10588778" y="31598"/>
+                  <a:pt x="10543381" y="-12698"/>
+                  <a:pt x="10177272" y="18288"/>
+                </a:cubicBezTo>
+                <a:cubicBezTo>
+                  <a:pt x="9811163" y="49274"/>
+                  <a:pt x="9996817" y="25662"/>
+                  <a:pt x="9820656" y="18288"/>
+                </a:cubicBezTo>
+                <a:cubicBezTo>
+                  <a:pt x="9644495" y="10914"/>
+                  <a:pt x="9607007" y="31631"/>
+                  <a:pt x="9464040" y="18288"/>
+                </a:cubicBezTo>
+                <a:cubicBezTo>
+                  <a:pt x="9321073" y="4945"/>
+                  <a:pt x="9114189" y="28940"/>
+                  <a:pt x="8778240" y="18288"/>
+                </a:cubicBezTo>
+                <a:cubicBezTo>
+                  <a:pt x="8442291" y="7636"/>
+                  <a:pt x="8594763" y="987"/>
+                  <a:pt x="8421624" y="18288"/>
+                </a:cubicBezTo>
+                <a:cubicBezTo>
+                  <a:pt x="8248485" y="35589"/>
+                  <a:pt x="7929515" y="37573"/>
+                  <a:pt x="7735824" y="18288"/>
+                </a:cubicBezTo>
+                <a:cubicBezTo>
+                  <a:pt x="7542133" y="-997"/>
+                  <a:pt x="7252504" y="33858"/>
+                  <a:pt x="6940296" y="18288"/>
+                </a:cubicBezTo>
+                <a:cubicBezTo>
+                  <a:pt x="6628088" y="2718"/>
+                  <a:pt x="6528503" y="48389"/>
+                  <a:pt x="6254496" y="18288"/>
+                </a:cubicBezTo>
+                <a:cubicBezTo>
+                  <a:pt x="5980489" y="-11813"/>
+                  <a:pt x="5695784" y="-3740"/>
+                  <a:pt x="5458968" y="18288"/>
+                </a:cubicBezTo>
+                <a:cubicBezTo>
+                  <a:pt x="5222152" y="40316"/>
+                  <a:pt x="5010751" y="19095"/>
+                  <a:pt x="4663440" y="18288"/>
+                </a:cubicBezTo>
+                <a:cubicBezTo>
+                  <a:pt x="4316129" y="17481"/>
+                  <a:pt x="4425552" y="1606"/>
+                  <a:pt x="4306824" y="18288"/>
+                </a:cubicBezTo>
+                <a:cubicBezTo>
+                  <a:pt x="4188096" y="34970"/>
+                  <a:pt x="3941535" y="7481"/>
+                  <a:pt x="3840480" y="18288"/>
+                </a:cubicBezTo>
+                <a:cubicBezTo>
+                  <a:pt x="3739425" y="29095"/>
+                  <a:pt x="3402388" y="17641"/>
+                  <a:pt x="3264408" y="18288"/>
+                </a:cubicBezTo>
+                <a:cubicBezTo>
+                  <a:pt x="3126428" y="18935"/>
+                  <a:pt x="2776779" y="9983"/>
+                  <a:pt x="2578608" y="18288"/>
+                </a:cubicBezTo>
+                <a:cubicBezTo>
+                  <a:pt x="2380437" y="26593"/>
+                  <a:pt x="1909468" y="25818"/>
+                  <a:pt x="1673352" y="18288"/>
+                </a:cubicBezTo>
+                <a:cubicBezTo>
+                  <a:pt x="1437236" y="10758"/>
+                  <a:pt x="1131180" y="49884"/>
+                  <a:pt x="877824" y="18288"/>
+                </a:cubicBezTo>
+                <a:cubicBezTo>
+                  <a:pt x="624468" y="-13308"/>
+                  <a:pt x="206753" y="2195"/>
+                  <a:pt x="0" y="18288"/>
+                </a:cubicBezTo>
+                <a:cubicBezTo>
+                  <a:pt x="313" y="10654"/>
+                  <a:pt x="-263" y="4056"/>
+                  <a:pt x="0" y="0"/>
+                </a:cubicBezTo>
+                <a:close/>
+              </a:path>
+              <a:path w="10972800" h="18288" stroke="0" extrusionOk="0">
+                <a:moveTo>
+                  <a:pt x="0" y="0"/>
+                </a:moveTo>
+                <a:cubicBezTo>
+                  <a:pt x="164017" y="-17675"/>
+                  <a:pt x="309425" y="9913"/>
+                  <a:pt x="466344" y="0"/>
+                </a:cubicBezTo>
+                <a:cubicBezTo>
+                  <a:pt x="623263" y="-9913"/>
+                  <a:pt x="659300" y="-14524"/>
+                  <a:pt x="822960" y="0"/>
+                </a:cubicBezTo>
+                <a:cubicBezTo>
+                  <a:pt x="986620" y="14524"/>
+                  <a:pt x="1105222" y="-16481"/>
+                  <a:pt x="1289304" y="0"/>
+                </a:cubicBezTo>
+                <a:cubicBezTo>
+                  <a:pt x="1473386" y="16481"/>
+                  <a:pt x="1693223" y="26161"/>
+                  <a:pt x="1975104" y="0"/>
+                </a:cubicBezTo>
+                <a:cubicBezTo>
+                  <a:pt x="2256985" y="-26161"/>
+                  <a:pt x="2435781" y="23061"/>
+                  <a:pt x="2770632" y="0"/>
+                </a:cubicBezTo>
+                <a:cubicBezTo>
+                  <a:pt x="3105483" y="-23061"/>
+                  <a:pt x="3247479" y="-44011"/>
+                  <a:pt x="3675888" y="0"/>
+                </a:cubicBezTo>
+                <a:cubicBezTo>
+                  <a:pt x="4104297" y="44011"/>
+                  <a:pt x="4280918" y="4017"/>
+                  <a:pt x="4581144" y="0"/>
+                </a:cubicBezTo>
+                <a:cubicBezTo>
+                  <a:pt x="4881370" y="-4017"/>
+                  <a:pt x="5021699" y="-11889"/>
+                  <a:pt x="5157216" y="0"/>
+                </a:cubicBezTo>
+                <a:cubicBezTo>
+                  <a:pt x="5292733" y="11889"/>
+                  <a:pt x="5603398" y="-17698"/>
+                  <a:pt x="5952744" y="0"/>
+                </a:cubicBezTo>
+                <a:cubicBezTo>
+                  <a:pt x="6302090" y="17698"/>
+                  <a:pt x="6353093" y="-11909"/>
+                  <a:pt x="6638544" y="0"/>
+                </a:cubicBezTo>
+                <a:cubicBezTo>
+                  <a:pt x="6923995" y="11909"/>
+                  <a:pt x="7053404" y="21630"/>
+                  <a:pt x="7214616" y="0"/>
+                </a:cubicBezTo>
+                <a:cubicBezTo>
+                  <a:pt x="7375828" y="-21630"/>
+                  <a:pt x="7837963" y="3886"/>
+                  <a:pt x="8010144" y="0"/>
+                </a:cubicBezTo>
+                <a:cubicBezTo>
+                  <a:pt x="8182325" y="-3886"/>
+                  <a:pt x="8224183" y="16009"/>
+                  <a:pt x="8366760" y="0"/>
+                </a:cubicBezTo>
+                <a:cubicBezTo>
+                  <a:pt x="8509337" y="-16009"/>
+                  <a:pt x="8687920" y="-5720"/>
+                  <a:pt x="8942832" y="0"/>
+                </a:cubicBezTo>
+                <a:cubicBezTo>
+                  <a:pt x="9197744" y="5720"/>
+                  <a:pt x="9368437" y="20479"/>
+                  <a:pt x="9628632" y="0"/>
+                </a:cubicBezTo>
+                <a:cubicBezTo>
+                  <a:pt x="9888827" y="-20479"/>
+                  <a:pt x="10560858" y="-20746"/>
+                  <a:pt x="10972800" y="0"/>
+                </a:cubicBezTo>
+                <a:cubicBezTo>
+                  <a:pt x="10972186" y="5722"/>
+                  <a:pt x="10972980" y="12495"/>
+                  <a:pt x="10972800" y="18288"/>
+                </a:cubicBezTo>
+                <a:cubicBezTo>
+                  <a:pt x="10786146" y="12536"/>
+                  <a:pt x="10623717" y="14033"/>
+                  <a:pt x="10506456" y="18288"/>
+                </a:cubicBezTo>
+                <a:cubicBezTo>
+                  <a:pt x="10389195" y="22543"/>
+                  <a:pt x="10296178" y="20107"/>
+                  <a:pt x="10149840" y="18288"/>
+                </a:cubicBezTo>
+                <a:cubicBezTo>
+                  <a:pt x="10003502" y="16469"/>
+                  <a:pt x="9767530" y="28891"/>
+                  <a:pt x="9464040" y="18288"/>
+                </a:cubicBezTo>
+                <a:cubicBezTo>
+                  <a:pt x="9160550" y="7685"/>
+                  <a:pt x="9229050" y="2659"/>
+                  <a:pt x="8997696" y="18288"/>
+                </a:cubicBezTo>
+                <a:cubicBezTo>
+                  <a:pt x="8766342" y="33917"/>
+                  <a:pt x="8340136" y="34864"/>
+                  <a:pt x="8092440" y="18288"/>
+                </a:cubicBezTo>
+                <a:cubicBezTo>
+                  <a:pt x="7844744" y="1712"/>
+                  <a:pt x="7863720" y="27405"/>
+                  <a:pt x="7735824" y="18288"/>
+                </a:cubicBezTo>
+                <a:cubicBezTo>
+                  <a:pt x="7607928" y="9171"/>
+                  <a:pt x="7323619" y="461"/>
+                  <a:pt x="7050024" y="18288"/>
+                </a:cubicBezTo>
+                <a:cubicBezTo>
+                  <a:pt x="6776429" y="36115"/>
+                  <a:pt x="6787899" y="28206"/>
+                  <a:pt x="6693408" y="18288"/>
+                </a:cubicBezTo>
+                <a:cubicBezTo>
+                  <a:pt x="6598917" y="8370"/>
+                  <a:pt x="6395231" y="19114"/>
+                  <a:pt x="6227064" y="18288"/>
+                </a:cubicBezTo>
+                <a:cubicBezTo>
+                  <a:pt x="6058897" y="17462"/>
+                  <a:pt x="5618582" y="1091"/>
+                  <a:pt x="5431536" y="18288"/>
+                </a:cubicBezTo>
+                <a:cubicBezTo>
+                  <a:pt x="5244490" y="35485"/>
+                  <a:pt x="4729797" y="-9650"/>
+                  <a:pt x="4526280" y="18288"/>
+                </a:cubicBezTo>
+                <a:cubicBezTo>
+                  <a:pt x="4322763" y="46226"/>
+                  <a:pt x="4216797" y="756"/>
+                  <a:pt x="4059936" y="18288"/>
+                </a:cubicBezTo>
+                <a:cubicBezTo>
+                  <a:pt x="3903075" y="35820"/>
+                  <a:pt x="3537912" y="42098"/>
+                  <a:pt x="3374136" y="18288"/>
+                </a:cubicBezTo>
+                <a:cubicBezTo>
+                  <a:pt x="3210360" y="-5522"/>
+                  <a:pt x="3126842" y="39135"/>
+                  <a:pt x="2907792" y="18288"/>
+                </a:cubicBezTo>
+                <a:cubicBezTo>
+                  <a:pt x="2688742" y="-2559"/>
+                  <a:pt x="2490436" y="34100"/>
+                  <a:pt x="2112264" y="18288"/>
+                </a:cubicBezTo>
+                <a:cubicBezTo>
+                  <a:pt x="1734092" y="2476"/>
+                  <a:pt x="1744622" y="-7274"/>
+                  <a:pt x="1536192" y="18288"/>
+                </a:cubicBezTo>
+                <a:cubicBezTo>
+                  <a:pt x="1327762" y="43850"/>
+                  <a:pt x="1189025" y="6435"/>
+                  <a:pt x="1069848" y="18288"/>
+                </a:cubicBezTo>
+                <a:cubicBezTo>
+                  <a:pt x="950671" y="30141"/>
+                  <a:pt x="858345" y="33684"/>
+                  <a:pt x="713232" y="18288"/>
+                </a:cubicBezTo>
+                <a:cubicBezTo>
+                  <a:pt x="568119" y="2892"/>
+                  <a:pt x="250292" y="5410"/>
+                  <a:pt x="0" y="18288"/>
+                </a:cubicBezTo>
+                <a:cubicBezTo>
+                  <a:pt x="465" y="13062"/>
+                  <a:pt x="-894" y="9029"/>
+                  <a:pt x="0" y="0"/>
+                </a:cubicBezTo>
+                <a:close/>
+              </a:path>
+            </a:pathLst>
+          </a:custGeom>
+          <a:solidFill>
+            <a:schemeClr val="accent2">
+              <a:alpha val="75000"/>
+            </a:schemeClr>
+          </a:solidFill>
+          <a:ln w="44450" cap="rnd">
+            <a:solidFill>
+              <a:schemeClr val="accent2">
+                <a:alpha val="75000"/>
+              </a:schemeClr>
+            </a:solidFill>
+            <a:round/>
+            <a:extLst>
+              <a:ext uri="{C807C97D-BFC1-408E-A445-0C87EB9F89A2}">
+                <ask:lineSketchStyleProps xmlns:ask="http://schemas.microsoft.com/office/drawing/2018/sketchyshapes" sd="2727557108">
+                  <a:prstGeom prst="rect">
+                    <a:avLst/>
+                  </a:prstGeom>
+                  <ask:type>
+                    <ask:lineSketchFreehand/>
+                  </ask:type>
+                </ask:lineSketchStyleProps>
+              </a:ext>
+            </a:extLst>
+          </a:ln>
+        </p:spPr>
+        <p:style>
+          <a:lnRef idx="2">
+            <a:schemeClr val="accent1">
+              <a:shade val="50000"/>
+            </a:schemeClr>
+          </a:lnRef>
+          <a:fillRef idx="1">
+            <a:schemeClr val="accent1"/>
+          </a:fillRef>
+          <a:effectRef idx="0">
+            <a:schemeClr val="accent1"/>
+          </a:effectRef>
+          <a:fontRef idx="minor">
+            <a:schemeClr val="lt1"/>
+          </a:fontRef>
+        </p:style>
+        <p:txBody>
+          <a:bodyPr rtlCol="0" anchor="ctr"/>
+          <a:lstStyle/>
+          <a:p>
+            <a:pPr algn="ctr"/>
+            <a:endParaRPr lang="en-US"/>
+          </a:p>
+        </p:txBody>
+      </p:sp>
+      <p:sp>
+        <p:nvSpPr>
+          <p:cNvPr id="3" name="Content Placeholder 2">
+            <a:extLst>
+              <a:ext uri="{FF2B5EF4-FFF2-40B4-BE49-F238E27FC236}">
+                <a16:creationId xmlns:a16="http://schemas.microsoft.com/office/drawing/2014/main" id="{80AED331-48A8-05F5-F021-EB16EE2ED439}"/>
+              </a:ext>
+            </a:extLst>
+          </p:cNvPr>
+          <p:cNvSpPr>
+            <a:spLocks noGrp="1"/>
+          </p:cNvSpPr>
+          <p:nvPr>
+            <p:ph idx="1"/>
+          </p:nvPr>
+        </p:nvSpPr>
+        <p:spPr>
+          <a:xfrm>
+            <a:off x="572493" y="2071316"/>
+            <a:ext cx="6713552" cy="4119172"/>
+          </a:xfrm>
+        </p:spPr>
+        <p:txBody>
+          <a:bodyPr anchor="t">
+            <a:normAutofit/>
+          </a:bodyPr>
+          <a:lstStyle/>
+          <a:p>
+            <a:r>
+              <a:rPr lang="en-GB" sz="2000" dirty="0"/>
+              <a:t>Many IoT systems have the following characteristics:</a:t>
+            </a:r>
+          </a:p>
+          <a:p>
+            <a:pPr lvl="1"/>
+            <a:r>
+              <a:rPr lang="en-GB" sz="2000" dirty="0"/>
+              <a:t> “…</a:t>
+            </a:r>
+            <a:r>
+              <a:rPr lang="en-GB" sz="2000" b="0" i="0" dirty="0">
+                <a:effectLst/>
+                <a:latin typeface="montserrat" panose="020B0604020202020204" pitchFamily="2" charset="0"/>
+              </a:rPr>
+              <a:t>ability to </a:t>
+            </a:r>
+            <a:r>
+              <a:rPr lang="en-GB" sz="2000" b="0" i="0" dirty="0">
+                <a:effectLst/>
+                <a:highlight>
+                  <a:srgbClr val="FFFF00"/>
+                </a:highlight>
+                <a:latin typeface="montserrat" panose="020B0604020202020204" pitchFamily="2" charset="0"/>
+              </a:rPr>
+              <a:t>harvest information</a:t>
+            </a:r>
+            <a:r>
+              <a:rPr lang="en-GB" sz="2000" b="0" i="0" dirty="0">
+                <a:effectLst/>
+                <a:latin typeface="montserrat" panose="020B0604020202020204" pitchFamily="2" charset="0"/>
+              </a:rPr>
+              <a:t>, the intelligence to process the information, and the connectivity capabilities to communicate the results…”</a:t>
+            </a:r>
+            <a:endParaRPr lang="en-IE" sz="2000" b="0" i="0" dirty="0">
+              <a:effectLst/>
+              <a:latin typeface="montserrat" panose="020B0604020202020204" pitchFamily="2" charset="0"/>
+            </a:endParaRPr>
+          </a:p>
+          <a:p>
+            <a:r>
+              <a:rPr lang="en-IE" sz="2000" dirty="0">
+                <a:latin typeface="montserrat" panose="020B0604020202020204" pitchFamily="2" charset="0"/>
+              </a:rPr>
+              <a:t>Sensors are used to “harvest information”</a:t>
+            </a:r>
+            <a:endParaRPr lang="en-GB" sz="2000" dirty="0">
+              <a:latin typeface="montserrat" panose="020B0604020202020204" pitchFamily="2" charset="0"/>
+            </a:endParaRPr>
+          </a:p>
+          <a:p>
+            <a:r>
+              <a:rPr lang="en-GB" sz="2000" dirty="0">
+                <a:latin typeface="montserrat" panose="020B0604020202020204" pitchFamily="2" charset="0"/>
+              </a:rPr>
+              <a:t>Sensors</a:t>
+            </a:r>
+          </a:p>
+          <a:p>
+            <a:pPr lvl="1"/>
+            <a:r>
+              <a:rPr lang="en-GB" sz="2000" dirty="0">
+                <a:latin typeface="montserrat" panose="020B0604020202020204" pitchFamily="2" charset="0"/>
+              </a:rPr>
+              <a:t>receives a signal or stimulus (e.g. heat or pressure or light or motion etc.) and responds to it in a distinctive manner</a:t>
+            </a:r>
+          </a:p>
+          <a:p>
+            <a:pPr lvl="1"/>
+            <a:r>
+              <a:rPr lang="en-GB" sz="2000" b="1" dirty="0">
+                <a:latin typeface="montserrat" panose="020B0604020202020204" pitchFamily="2" charset="0"/>
+              </a:rPr>
+              <a:t>produces an output signal for the purpose of sensing a physical phenomenon</a:t>
+            </a:r>
+            <a:r>
+              <a:rPr lang="en-GB" sz="2000" dirty="0">
+                <a:latin typeface="montserrat" panose="020B0604020202020204" pitchFamily="2" charset="0"/>
+              </a:rPr>
+              <a:t>.</a:t>
+            </a:r>
+            <a:endParaRPr lang="en-IE" sz="2000" dirty="0">
+              <a:latin typeface="montserrat" panose="020B0604020202020204" pitchFamily="2" charset="0"/>
+            </a:endParaRPr>
+          </a:p>
+        </p:txBody>
+      </p:sp>
+      <p:pic>
+        <p:nvPicPr>
+          <p:cNvPr id="1026" name="Picture 2">
+            <a:extLst>
+              <a:ext uri="{FF2B5EF4-FFF2-40B4-BE49-F238E27FC236}">
+                <a16:creationId xmlns:a16="http://schemas.microsoft.com/office/drawing/2014/main" id="{6D40EB8E-981E-A7E5-32C0-5E04668A6812}"/>
+              </a:ext>
+            </a:extLst>
+          </p:cNvPr>
+          <p:cNvPicPr>
+            <a:picLocks noChangeAspect="1" noChangeArrowheads="1"/>
+          </p:cNvPicPr>
+          <p:nvPr/>
+        </p:nvPicPr>
+        <p:blipFill rotWithShape="1">
+          <a:blip r:embed="rId3">
+            <a:extLst>
+              <a:ext uri="{28A0092B-C50C-407E-A947-70E740481C1C}">
+                <a14:useLocalDpi xmlns:a14="http://schemas.microsoft.com/office/drawing/2010/main" val="0"/>
+              </a:ext>
+            </a:extLst>
+          </a:blip>
+          <a:srcRect r="17788"/>
+          <a:stretch/>
+        </p:blipFill>
+        <p:spPr bwMode="auto">
+          <a:xfrm>
+            <a:off x="8426508" y="4371267"/>
+            <a:ext cx="1669064" cy="1734897"/>
+          </a:xfrm>
+          <a:prstGeom prst="rect">
+            <a:avLst/>
+          </a:prstGeom>
+          <a:noFill/>
+          <a:extLst>
+            <a:ext uri="{909E8E84-426E-40DD-AFC4-6F175D3DCCD1}">
+              <a14:hiddenFill xmlns:a14="http://schemas.microsoft.com/office/drawing/2010/main">
+                <a:solidFill>
+                  <a:srgbClr val="FFFFFF"/>
+                </a:solidFill>
+              </a14:hiddenFill>
+            </a:ext>
+          </a:extLst>
+        </p:spPr>
+      </p:pic>
+    </p:spTree>
+    <p:extLst>
+      <p:ext uri="{BB962C8B-B14F-4D97-AF65-F5344CB8AC3E}">
+        <p14:creationId xmlns:p14="http://schemas.microsoft.com/office/powerpoint/2010/main" val="1022647844"/>
+      </p:ext>
+    </p:extLst>
+  </p:cSld>
+  <p:clrMapOvr>
+    <a:masterClrMapping/>
+  </p:clrMapOvr>
+</p:sld>
+</file>
+
+<file path=ppt/slides/slide21.xml><?xml version="1.0" encoding="utf-8"?>
+<p:sld xmlns:a="http://schemas.openxmlformats.org/drawingml/2006/main" xmlns:r="http://schemas.openxmlformats.org/officeDocument/2006/relationships" xmlns:p="http://schemas.openxmlformats.org/presentationml/2006/main">
+  <p:cSld>
+    <p:bg>
+      <p:bgPr>
+        <a:solidFill>
+          <a:schemeClr val="bg1"/>
+        </a:solidFill>
+        <a:effectLst/>
+      </p:bgPr>
+    </p:bg>
+    <p:spTree>
+      <p:nvGrpSpPr>
+        <p:cNvPr id="1" name=""/>
+        <p:cNvGrpSpPr/>
+        <p:nvPr/>
+      </p:nvGrpSpPr>
+      <p:grpSpPr>
+        <a:xfrm>
+          <a:off x="0" y="0"/>
+          <a:ext cx="0" cy="0"/>
+          <a:chOff x="0" y="0"/>
+          <a:chExt cx="0" cy="0"/>
+        </a:xfrm>
+      </p:grpSpPr>
+      <p:sp>
+        <p:nvSpPr>
+          <p:cNvPr id="11" name="Rectangle 10">
+            <a:extLst>
+              <a:ext uri="{FF2B5EF4-FFF2-40B4-BE49-F238E27FC236}">
+                <a16:creationId xmlns:a16="http://schemas.microsoft.com/office/drawing/2014/main" id="{2B566528-1B12-4246-9431-5C2D7D081168}"/>
+              </a:ext>
+              <a:ext uri="{C183D7F6-B498-43B3-948B-1728B52AA6E4}">
+                <adec:decorative xmlns:adec="http://schemas.microsoft.com/office/drawing/2017/decorative" val="1"/>
+              </a:ext>
+            </a:extLst>
+          </p:cNvPr>
+          <p:cNvSpPr>
+            <a:spLocks noGrp="1" noRot="1" noChangeAspect="1" noMove="1" noResize="1" noEditPoints="1" noAdjustHandles="1" noChangeArrowheads="1" noChangeShapeType="1" noTextEdit="1"/>
+          </p:cNvSpPr>
+          <p:nvPr>
+            <p:extLst>
+              <p:ext uri="{386F3935-93C4-4BCD-93E2-E3B085C9AB24}">
+                <p16:designElem xmlns:p16="http://schemas.microsoft.com/office/powerpoint/2015/main" val="1"/>
+              </p:ext>
+            </p:extLst>
+          </p:nvPr>
+        </p:nvSpPr>
+        <p:spPr>
+          <a:xfrm>
+            <a:off x="0" y="0"/>
+            <a:ext cx="12192000" cy="6858000"/>
+          </a:xfrm>
+          <a:prstGeom prst="rect">
+            <a:avLst/>
+          </a:prstGeom>
+          <a:solidFill>
+            <a:schemeClr val="bg1"/>
+          </a:solidFill>
+          <a:ln>
+            <a:noFill/>
+          </a:ln>
+        </p:spPr>
+        <p:style>
+          <a:lnRef idx="2">
+            <a:schemeClr val="accent1">
+              <a:shade val="50000"/>
+            </a:schemeClr>
+          </a:lnRef>
+          <a:fillRef idx="1">
+            <a:schemeClr val="accent1"/>
+          </a:fillRef>
+          <a:effectRef idx="0">
+            <a:schemeClr val="accent1"/>
+          </a:effectRef>
+          <a:fontRef idx="minor">
+            <a:schemeClr val="lt1"/>
+          </a:fontRef>
+        </p:style>
+        <p:txBody>
+          <a:bodyPr rtlCol="0" anchor="ctr"/>
+          <a:lstStyle/>
+          <a:p>
+            <a:pPr algn="ctr"/>
+            <a:endParaRPr lang="en-US" dirty="0"/>
+          </a:p>
+        </p:txBody>
+      </p:sp>
+      <p:sp>
+        <p:nvSpPr>
+          <p:cNvPr id="2" name="Title 1">
+            <a:extLst>
+              <a:ext uri="{FF2B5EF4-FFF2-40B4-BE49-F238E27FC236}">
+                <a16:creationId xmlns:a16="http://schemas.microsoft.com/office/drawing/2014/main" id="{EC51CA0A-E8AF-4BDA-C26E-83F1194A775D}"/>
+              </a:ext>
+            </a:extLst>
+          </p:cNvPr>
+          <p:cNvSpPr>
+            <a:spLocks noGrp="1"/>
+          </p:cNvSpPr>
+          <p:nvPr>
+            <p:ph type="title"/>
+          </p:nvPr>
+        </p:nvSpPr>
+        <p:spPr>
+          <a:xfrm>
+            <a:off x="643467" y="321734"/>
+            <a:ext cx="4970877" cy="1135737"/>
+          </a:xfrm>
+        </p:spPr>
+        <p:txBody>
+          <a:bodyPr>
+            <a:normAutofit/>
+          </a:bodyPr>
+          <a:lstStyle/>
+          <a:p>
+            <a:r>
+              <a:rPr lang="en-GB" sz="3600"/>
+              <a:t>Sensor Example: Photoresistor</a:t>
+            </a:r>
+            <a:endParaRPr lang="en-IE" sz="3600"/>
+          </a:p>
+        </p:txBody>
+      </p:sp>
+      <p:sp>
+        <p:nvSpPr>
+          <p:cNvPr id="3" name="Content Placeholder 2">
+            <a:extLst>
+              <a:ext uri="{FF2B5EF4-FFF2-40B4-BE49-F238E27FC236}">
+                <a16:creationId xmlns:a16="http://schemas.microsoft.com/office/drawing/2014/main" id="{2B995FF0-DF7C-1F71-FE6B-16268CEA8FE3}"/>
+              </a:ext>
+            </a:extLst>
+          </p:cNvPr>
+          <p:cNvSpPr>
+            <a:spLocks noGrp="1"/>
+          </p:cNvSpPr>
+          <p:nvPr>
+            <p:ph idx="1"/>
+          </p:nvPr>
+        </p:nvSpPr>
+        <p:spPr>
+          <a:xfrm>
+            <a:off x="643468" y="1782981"/>
+            <a:ext cx="4970877" cy="4393982"/>
+          </a:xfrm>
+        </p:spPr>
+        <p:txBody>
+          <a:bodyPr>
+            <a:normAutofit/>
+          </a:bodyPr>
+          <a:lstStyle/>
+          <a:p>
+            <a:pPr marL="0" indent="0">
+              <a:buNone/>
+            </a:pPr>
+            <a:r>
+              <a:rPr lang="en-GB" sz="2000">
+                <a:latin typeface="montserrat" panose="020B0604020202020204" pitchFamily="2" charset="0"/>
+              </a:rPr>
+              <a:t>…”receives a signal or stimulus (e.g. heat or pressure or light or motion etc.) and responds to it in a distinctive manner…”</a:t>
+            </a:r>
+          </a:p>
+          <a:p>
+            <a:pPr marL="0" indent="0">
+              <a:buNone/>
+            </a:pPr>
+            <a:endParaRPr lang="en-GB" sz="2000"/>
+          </a:p>
+          <a:p>
+            <a:r>
+              <a:rPr lang="en-GB" sz="2000"/>
+              <a:t>Input signal/stimulus: Light</a:t>
+            </a:r>
+          </a:p>
+          <a:p>
+            <a:r>
+              <a:rPr lang="en-GB" sz="2000"/>
+              <a:t>Response: change in Resistance</a:t>
+            </a:r>
+          </a:p>
+          <a:p>
+            <a:pPr marL="0" indent="0">
+              <a:buNone/>
+            </a:pPr>
+            <a:r>
+              <a:rPr lang="en-GB" sz="2000"/>
+              <a:t>How do we use this to “sense” light?</a:t>
+            </a:r>
+          </a:p>
+          <a:p>
+            <a:pPr marL="971550" lvl="1" indent="-514350">
+              <a:buFont typeface="+mj-lt"/>
+              <a:buAutoNum type="arabicPeriod"/>
+            </a:pPr>
+            <a:r>
+              <a:rPr lang="en-GB" sz="2000"/>
+              <a:t>Put in a circuit </a:t>
+            </a:r>
+          </a:p>
+          <a:p>
+            <a:pPr marL="971550" lvl="1" indent="-514350">
+              <a:buFont typeface="+mj-lt"/>
+              <a:buAutoNum type="arabicPeriod"/>
+            </a:pPr>
+            <a:r>
+              <a:rPr lang="en-GB" sz="2000"/>
+              <a:t>measure voltage across Photoresistor </a:t>
+            </a:r>
+          </a:p>
+          <a:p>
+            <a:pPr marL="971550" lvl="1" indent="-514350">
+              <a:buFont typeface="+mj-lt"/>
+              <a:buAutoNum type="arabicPeriod"/>
+            </a:pPr>
+            <a:r>
+              <a:rPr lang="en-GB" sz="2000"/>
+              <a:t>Convert to digital value (a number) by Arduino</a:t>
+            </a:r>
+          </a:p>
+          <a:p>
+            <a:pPr marL="0" indent="0">
+              <a:buNone/>
+            </a:pPr>
+            <a:endParaRPr lang="en-GB" sz="2000"/>
+          </a:p>
+          <a:p>
+            <a:endParaRPr lang="en-IE" sz="2000"/>
+          </a:p>
+        </p:txBody>
+      </p:sp>
+      <p:sp>
+        <p:nvSpPr>
+          <p:cNvPr id="13" name="Isosceles Triangle 12">
+            <a:extLst>
+              <a:ext uri="{FF2B5EF4-FFF2-40B4-BE49-F238E27FC236}">
+                <a16:creationId xmlns:a16="http://schemas.microsoft.com/office/drawing/2014/main" id="{D3F51FEB-38FB-4F6C-9F7B-2F2AFAB65463}"/>
+              </a:ext>
+              <a:ext uri="{C183D7F6-B498-43B3-948B-1728B52AA6E4}">
+                <adec:decorative xmlns:adec="http://schemas.microsoft.com/office/drawing/2017/decorative" val="1"/>
+              </a:ext>
+            </a:extLst>
+          </p:cNvPr>
+          <p:cNvSpPr>
+            <a:spLocks noGrp="1" noRot="1" noChangeAspect="1" noMove="1" noResize="1" noEditPoints="1" noAdjustHandles="1" noChangeArrowheads="1" noChangeShapeType="1" noTextEdit="1"/>
+          </p:cNvSpPr>
+          <p:nvPr>
+            <p:extLst>
+              <p:ext uri="{386F3935-93C4-4BCD-93E2-E3B085C9AB24}">
+                <p16:designElem xmlns:p16="http://schemas.microsoft.com/office/powerpoint/2015/main" val="1"/>
+              </p:ext>
+            </p:extLst>
+          </p:nvPr>
+        </p:nvSpPr>
+        <p:spPr>
+          <a:xfrm rot="5400000">
+            <a:off x="-501760" y="5103257"/>
+            <a:ext cx="2017580" cy="1014060"/>
+          </a:xfrm>
+          <a:prstGeom prst="triangle">
+            <a:avLst>
+              <a:gd name="adj" fmla="val 50000"/>
+            </a:avLst>
+          </a:prstGeom>
+          <a:solidFill>
+            <a:schemeClr val="accent1">
+              <a:alpha val="30000"/>
+            </a:schemeClr>
+          </a:solidFill>
+          <a:ln>
+            <a:noFill/>
+          </a:ln>
+        </p:spPr>
+        <p:style>
+          <a:lnRef idx="2">
+            <a:schemeClr val="accent1">
+              <a:shade val="50000"/>
+            </a:schemeClr>
+          </a:lnRef>
+          <a:fillRef idx="1">
+            <a:schemeClr val="accent1"/>
+          </a:fillRef>
+          <a:effectRef idx="0">
+            <a:schemeClr val="accent1"/>
+          </a:effectRef>
+          <a:fontRef idx="minor">
+            <a:schemeClr val="lt1"/>
+          </a:fontRef>
+        </p:style>
+        <p:txBody>
+          <a:bodyPr rtlCol="0" anchor="ctr"/>
+          <a:lstStyle/>
+          <a:p>
+            <a:pPr algn="ctr"/>
+            <a:endParaRPr lang="en-US"/>
+          </a:p>
+        </p:txBody>
+      </p:sp>
+      <p:sp>
+        <p:nvSpPr>
+          <p:cNvPr id="15" name="Rectangle 14">
+            <a:extLst>
+              <a:ext uri="{FF2B5EF4-FFF2-40B4-BE49-F238E27FC236}">
+                <a16:creationId xmlns:a16="http://schemas.microsoft.com/office/drawing/2014/main" id="{1E547BA6-BAE0-43BB-A7CA-60F69CE252F0}"/>
+              </a:ext>
+              <a:ext uri="{C183D7F6-B498-43B3-948B-1728B52AA6E4}">
+                <adec:decorative xmlns:adec="http://schemas.microsoft.com/office/drawing/2017/decorative" val="1"/>
+              </a:ext>
+            </a:extLst>
+          </p:cNvPr>
+          <p:cNvSpPr>
+            <a:spLocks noGrp="1" noRot="1" noChangeAspect="1" noMove="1" noResize="1" noEditPoints="1" noAdjustHandles="1" noChangeArrowheads="1" noChangeShapeType="1" noTextEdit="1"/>
+          </p:cNvSpPr>
+          <p:nvPr>
+            <p:extLst>
+              <p:ext uri="{386F3935-93C4-4BCD-93E2-E3B085C9AB24}">
+                <p16:designElem xmlns:p16="http://schemas.microsoft.com/office/powerpoint/2015/main" val="1"/>
+              </p:ext>
+            </p:extLst>
+          </p:nvPr>
+        </p:nvSpPr>
+        <p:spPr>
+          <a:xfrm rot="2700000">
+            <a:off x="427916" y="5728708"/>
+            <a:ext cx="485578" cy="485578"/>
+          </a:xfrm>
+          <a:prstGeom prst="rect">
+            <a:avLst/>
+          </a:prstGeom>
+          <a:solidFill>
+            <a:schemeClr val="accent1">
+              <a:alpha val="30000"/>
+            </a:schemeClr>
+          </a:solidFill>
+          <a:ln>
+            <a:noFill/>
+          </a:ln>
+        </p:spPr>
+        <p:style>
+          <a:lnRef idx="2">
+            <a:schemeClr val="accent1">
+              <a:shade val="50000"/>
+            </a:schemeClr>
+          </a:lnRef>
+          <a:fillRef idx="1">
+            <a:schemeClr val="accent1"/>
+          </a:fillRef>
+          <a:effectRef idx="0">
+            <a:schemeClr val="accent1"/>
+          </a:effectRef>
+          <a:fontRef idx="minor">
+            <a:schemeClr val="lt1"/>
+          </a:fontRef>
+        </p:style>
+        <p:txBody>
+          <a:bodyPr rtlCol="0" anchor="ctr"/>
+          <a:lstStyle/>
+          <a:p>
+            <a:pPr algn="ctr"/>
+            <a:endParaRPr lang="en-US"/>
+          </a:p>
+        </p:txBody>
+      </p:sp>
+      <p:pic>
+        <p:nvPicPr>
+          <p:cNvPr id="5" name="Picture 4" descr="Diagram&#10;&#10;Description automatically generated">
+            <a:extLst>
+              <a:ext uri="{FF2B5EF4-FFF2-40B4-BE49-F238E27FC236}">
+                <a16:creationId xmlns:a16="http://schemas.microsoft.com/office/drawing/2014/main" id="{7A5E4C13-586E-23A3-20AD-0C79234E4C49}"/>
+              </a:ext>
+            </a:extLst>
+          </p:cNvPr>
+          <p:cNvPicPr>
+            <a:picLocks noChangeAspect="1"/>
+          </p:cNvPicPr>
+          <p:nvPr/>
+        </p:nvPicPr>
+        <p:blipFill>
+          <a:blip r:embed="rId2">
+            <a:extLst>
+              <a:ext uri="{28A0092B-C50C-407E-A947-70E740481C1C}">
+                <a14:useLocalDpi xmlns:a14="http://schemas.microsoft.com/office/drawing/2010/main" val="0"/>
+              </a:ext>
+              <a:ext uri="{837473B0-CC2E-450A-ABE3-18F120FF3D39}">
+                <a1611:picAttrSrcUrl xmlns:a1611="http://schemas.microsoft.com/office/drawing/2016/11/main" r:id="rId3"/>
+              </a:ext>
+            </a:extLst>
+          </a:blip>
+          <a:stretch>
+            <a:fillRect/>
+          </a:stretch>
+        </p:blipFill>
+        <p:spPr>
+          <a:xfrm>
+            <a:off x="6257813" y="1871802"/>
+            <a:ext cx="5290720" cy="3114395"/>
+          </a:xfrm>
+          <a:prstGeom prst="rect">
+            <a:avLst/>
+          </a:prstGeom>
+        </p:spPr>
+      </p:pic>
+      <p:grpSp>
+        <p:nvGrpSpPr>
+          <p:cNvPr id="17" name="Group 16">
+            <a:extLst>
+              <a:ext uri="{FF2B5EF4-FFF2-40B4-BE49-F238E27FC236}">
+                <a16:creationId xmlns:a16="http://schemas.microsoft.com/office/drawing/2014/main" id="{15CBE6EC-46EF-45D9-8E16-DCDC5917CA31}"/>
+              </a:ext>
+              <a:ext uri="{C183D7F6-B498-43B3-948B-1728B52AA6E4}">
+                <adec:decorative xmlns:adec="http://schemas.microsoft.com/office/drawing/2017/decorative" val="1"/>
+              </a:ext>
+            </a:extLst>
+          </p:cNvPr>
+          <p:cNvGrpSpPr>
+            <a:grpSpLocks noGrp="1" noUngrp="1" noRot="1" noChangeAspect="1" noMove="1" noResize="1"/>
+          </p:cNvGrpSpPr>
+          <p:nvPr>
+            <p:extLst>
+              <p:ext uri="{386F3935-93C4-4BCD-93E2-E3B085C9AB24}">
+                <p16:designElem xmlns:p16="http://schemas.microsoft.com/office/powerpoint/2015/main" val="1"/>
+              </p:ext>
+            </p:extLst>
+          </p:nvPr>
+        </p:nvGrpSpPr>
+        <p:grpSpPr>
+          <a:xfrm>
+            <a:off x="11094720" y="0"/>
+            <a:ext cx="1097280" cy="1097280"/>
+            <a:chOff x="11094720" y="0"/>
+            <a:chExt cx="1097280" cy="1097280"/>
+          </a:xfrm>
+        </p:grpSpPr>
+        <p:sp>
+          <p:nvSpPr>
+            <p:cNvPr id="18" name="Isosceles Triangle 17">
+              <a:extLst>
+                <a:ext uri="{FF2B5EF4-FFF2-40B4-BE49-F238E27FC236}">
+                  <a16:creationId xmlns:a16="http://schemas.microsoft.com/office/drawing/2014/main" id="{DEEDCD65-9740-4F34-BDF1-9C068E0532C0}"/>
+                </a:ext>
+                <a:ext uri="{C183D7F6-B498-43B3-948B-1728B52AA6E4}">
+                  <adec:decorative xmlns:adec="http://schemas.microsoft.com/office/drawing/2017/decorative" val="1"/>
+                </a:ext>
+              </a:extLst>
+            </p:cNvPr>
+            <p:cNvSpPr/>
+            <p:nvPr>
+              <p:extLst>
+                <p:ext uri="{386F3935-93C4-4BCD-93E2-E3B085C9AB24}">
+                  <p16:designElem xmlns:p16="http://schemas.microsoft.com/office/powerpoint/2015/main" val="1"/>
+                </p:ext>
+              </p:extLst>
+            </p:nvPr>
+          </p:nvSpPr>
+          <p:spPr>
+            <a:xfrm rot="16200000">
+              <a:off x="11094720" y="0"/>
+              <a:ext cx="1097280" cy="1097280"/>
+            </a:xfrm>
+            <a:prstGeom prst="triangle">
+              <a:avLst>
+                <a:gd name="adj" fmla="val 100000"/>
+              </a:avLst>
+            </a:prstGeom>
+            <a:solidFill>
+              <a:schemeClr val="accent4">
+                <a:alpha val="30000"/>
+              </a:schemeClr>
+            </a:solidFill>
+            <a:ln>
+              <a:noFill/>
+            </a:ln>
+          </p:spPr>
+          <p:style>
+            <a:lnRef idx="2">
+              <a:schemeClr val="accent1">
+                <a:shade val="50000"/>
+              </a:schemeClr>
+            </a:lnRef>
+            <a:fillRef idx="1">
+              <a:schemeClr val="accent1"/>
+            </a:fillRef>
+            <a:effectRef idx="0">
+              <a:schemeClr val="accent1"/>
+            </a:effectRef>
+            <a:fontRef idx="minor">
+              <a:schemeClr val="lt1"/>
+            </a:fontRef>
+          </p:style>
+          <p:txBody>
+            <a:bodyPr rtlCol="0" anchor="ctr"/>
+            <a:lstStyle/>
+            <a:p>
+              <a:pPr algn="ctr"/>
+              <a:endParaRPr lang="en-US" dirty="0"/>
+            </a:p>
+          </p:txBody>
+        </p:sp>
+        <p:sp>
+          <p:nvSpPr>
+            <p:cNvPr id="19" name="Rectangle 18">
+              <a:extLst>
+                <a:ext uri="{FF2B5EF4-FFF2-40B4-BE49-F238E27FC236}">
+                  <a16:creationId xmlns:a16="http://schemas.microsoft.com/office/drawing/2014/main" id="{4B3DA7FD-5CC0-46D1-9DFB-5BAF6BE249C8}"/>
+                </a:ext>
+                <a:ext uri="{C183D7F6-B498-43B3-948B-1728B52AA6E4}">
+                  <adec:decorative xmlns:adec="http://schemas.microsoft.com/office/drawing/2017/decorative" val="1"/>
+                </a:ext>
+              </a:extLst>
+            </p:cNvPr>
+            <p:cNvSpPr/>
+            <p:nvPr>
+              <p:extLst>
+                <p:ext uri="{386F3935-93C4-4BCD-93E2-E3B085C9AB24}">
+                  <p16:designElem xmlns:p16="http://schemas.microsoft.com/office/powerpoint/2015/main" val="1"/>
+                </p:ext>
+              </p:extLst>
+            </p:nvPr>
+          </p:nvSpPr>
+          <p:spPr>
+            <a:xfrm rot="2700000">
+              <a:off x="11189552" y="127618"/>
+              <a:ext cx="457894" cy="457894"/>
+            </a:xfrm>
+            <a:prstGeom prst="rect">
+              <a:avLst/>
+            </a:prstGeom>
+            <a:solidFill>
+              <a:schemeClr val="accent4">
+                <a:alpha val="30000"/>
+              </a:schemeClr>
+            </a:solidFill>
+            <a:ln>
+              <a:noFill/>
+            </a:ln>
+          </p:spPr>
+          <p:style>
+            <a:lnRef idx="2">
+              <a:schemeClr val="accent1">
+                <a:shade val="50000"/>
+              </a:schemeClr>
+            </a:lnRef>
+            <a:fillRef idx="1">
+              <a:schemeClr val="accent1"/>
+            </a:fillRef>
+            <a:effectRef idx="0">
+              <a:schemeClr val="accent1"/>
+            </a:effectRef>
+            <a:fontRef idx="minor">
+              <a:schemeClr val="lt1"/>
+            </a:fontRef>
+          </p:style>
+          <p:txBody>
+            <a:bodyPr rtlCol="0" anchor="ctr"/>
+            <a:lstStyle/>
+            <a:p>
+              <a:pPr algn="ctr"/>
+              <a:endParaRPr lang="en-US"/>
+            </a:p>
+          </p:txBody>
+        </p:sp>
+      </p:grpSp>
+      <p:sp>
+        <p:nvSpPr>
+          <p:cNvPr id="6" name="TextBox 5">
+            <a:extLst>
+              <a:ext uri="{FF2B5EF4-FFF2-40B4-BE49-F238E27FC236}">
+                <a16:creationId xmlns:a16="http://schemas.microsoft.com/office/drawing/2014/main" id="{C85FFC77-12ED-0B82-41F8-F07936B7D9D5}"/>
+              </a:ext>
+            </a:extLst>
+          </p:cNvPr>
+          <p:cNvSpPr txBox="1"/>
+          <p:nvPr/>
+        </p:nvSpPr>
+        <p:spPr>
+          <a:xfrm>
+            <a:off x="9241491" y="4786142"/>
+            <a:ext cx="2307042" cy="200055"/>
+          </a:xfrm>
+          <a:prstGeom prst="rect">
+            <a:avLst/>
+          </a:prstGeom>
+          <a:solidFill>
+            <a:srgbClr val="000000"/>
+          </a:solidFill>
+        </p:spPr>
+        <p:txBody>
+          <a:bodyPr wrap="none" rtlCol="0">
+            <a:spAutoFit/>
+          </a:bodyPr>
+          <a:lstStyle/>
+          <a:p>
+            <a:pPr algn="r">
+              <a:spcAft>
+                <a:spcPts val="600"/>
+              </a:spcAft>
+            </a:pPr>
+            <a:r>
+              <a:rPr lang="en-IE" sz="700">
+                <a:solidFill>
+                  <a:srgbClr val="FFFFFF"/>
+                </a:solidFill>
+                <a:hlinkClick r:id="rId3" tooltip="http://arduino.stackexchange.com/questions/7921/why-do-you-need-a-second-resistor-when-using-a-photoresistor-ldr">
+                  <a:extLst>
+                    <a:ext uri="{A12FA001-AC4F-418D-AE19-62706E023703}">
+                      <ahyp:hlinkClr xmlns:ahyp="http://schemas.microsoft.com/office/drawing/2018/hyperlinkcolor" val="tx"/>
+                    </a:ext>
+                  </a:extLst>
+                </a:hlinkClick>
+              </a:rPr>
+              <a:t>This Photo</a:t>
+            </a:r>
+            <a:r>
+              <a:rPr lang="en-IE" sz="700">
+                <a:solidFill>
+                  <a:srgbClr val="FFFFFF"/>
+                </a:solidFill>
+              </a:rPr>
+              <a:t> by Unknown Author is licensed under </a:t>
+            </a:r>
+            <a:r>
+              <a:rPr lang="en-IE" sz="700">
+                <a:solidFill>
+                  <a:srgbClr val="FFFFFF"/>
+                </a:solidFill>
+                <a:hlinkClick r:id="rId4" tooltip="https://creativecommons.org/licenses/by-sa/3.0/">
+                  <a:extLst>
+                    <a:ext uri="{A12FA001-AC4F-418D-AE19-62706E023703}">
+                      <ahyp:hlinkClr xmlns:ahyp="http://schemas.microsoft.com/office/drawing/2018/hyperlinkcolor" val="tx"/>
+                    </a:ext>
+                  </a:extLst>
+                </a:hlinkClick>
+              </a:rPr>
+              <a:t>CC BY-SA</a:t>
+            </a:r>
+            <a:endParaRPr lang="en-IE" sz="700">
+              <a:solidFill>
+                <a:srgbClr val="FFFFFF"/>
+              </a:solidFill>
+            </a:endParaRPr>
+          </a:p>
+        </p:txBody>
+      </p:sp>
+    </p:spTree>
+    <p:extLst>
+      <p:ext uri="{BB962C8B-B14F-4D97-AF65-F5344CB8AC3E}">
+        <p14:creationId xmlns:p14="http://schemas.microsoft.com/office/powerpoint/2010/main" val="2501684039"/>
+      </p:ext>
+    </p:extLst>
+  </p:cSld>
+  <p:clrMapOvr>
+    <a:masterClrMapping/>
+  </p:clrMapOvr>
+</p:sld>
+</file>
+
+<file path=ppt/slides/slide22.xml><?xml version="1.0" encoding="utf-8"?>
+<p:sld xmlns:a="http://schemas.openxmlformats.org/drawingml/2006/main" xmlns:r="http://schemas.openxmlformats.org/officeDocument/2006/relationships" xmlns:p="http://schemas.openxmlformats.org/presentationml/2006/main">
+  <p:cSld>
+    <p:bg>
+      <p:bgPr>
+        <a:solidFill>
+          <a:schemeClr val="bg1"/>
+        </a:solidFill>
+        <a:effectLst/>
+      </p:bgPr>
+    </p:bg>
+    <p:spTree>
+      <p:nvGrpSpPr>
+        <p:cNvPr id="1" name=""/>
+        <p:cNvGrpSpPr/>
+        <p:nvPr/>
+      </p:nvGrpSpPr>
+      <p:grpSpPr>
+        <a:xfrm>
+          <a:off x="0" y="0"/>
+          <a:ext cx="0" cy="0"/>
+          <a:chOff x="0" y="0"/>
+          <a:chExt cx="0" cy="0"/>
+        </a:xfrm>
+      </p:grpSpPr>
+      <p:sp>
+        <p:nvSpPr>
+          <p:cNvPr id="3079" name="Rectangle 3078">
+            <a:extLst>
+              <a:ext uri="{FF2B5EF4-FFF2-40B4-BE49-F238E27FC236}">
+                <a16:creationId xmlns:a16="http://schemas.microsoft.com/office/drawing/2014/main" id="{2B566528-1B12-4246-9431-5C2D7D081168}"/>
+              </a:ext>
+              <a:ext uri="{C183D7F6-B498-43B3-948B-1728B52AA6E4}">
+                <adec:decorative xmlns:adec="http://schemas.microsoft.com/office/drawing/2017/decorative" val="1"/>
+              </a:ext>
+            </a:extLst>
+          </p:cNvPr>
+          <p:cNvSpPr>
+            <a:spLocks noGrp="1" noRot="1" noChangeAspect="1" noMove="1" noResize="1" noEditPoints="1" noAdjustHandles="1" noChangeArrowheads="1" noChangeShapeType="1" noTextEdit="1"/>
+          </p:cNvSpPr>
+          <p:nvPr>
+            <p:extLst>
+              <p:ext uri="{386F3935-93C4-4BCD-93E2-E3B085C9AB24}">
+                <p16:designElem xmlns:p16="http://schemas.microsoft.com/office/powerpoint/2015/main" val="1"/>
+              </p:ext>
+            </p:extLst>
+          </p:nvPr>
+        </p:nvSpPr>
+        <p:spPr>
+          <a:xfrm>
+            <a:off x="0" y="0"/>
+            <a:ext cx="12192000" cy="6858000"/>
+          </a:xfrm>
+          <a:prstGeom prst="rect">
+            <a:avLst/>
+          </a:prstGeom>
+          <a:solidFill>
+            <a:schemeClr val="bg1"/>
+          </a:solidFill>
+          <a:ln>
+            <a:noFill/>
+          </a:ln>
+        </p:spPr>
+        <p:style>
+          <a:lnRef idx="2">
+            <a:schemeClr val="accent1">
+              <a:shade val="50000"/>
+            </a:schemeClr>
+          </a:lnRef>
+          <a:fillRef idx="1">
+            <a:schemeClr val="accent1"/>
+          </a:fillRef>
+          <a:effectRef idx="0">
+            <a:schemeClr val="accent1"/>
+          </a:effectRef>
+          <a:fontRef idx="minor">
+            <a:schemeClr val="lt1"/>
+          </a:fontRef>
+        </p:style>
+        <p:txBody>
+          <a:bodyPr rtlCol="0" anchor="ctr"/>
+          <a:lstStyle/>
+          <a:p>
+            <a:pPr algn="ctr"/>
+            <a:endParaRPr lang="en-US" dirty="0"/>
+          </a:p>
+        </p:txBody>
+      </p:sp>
+      <p:sp>
+        <p:nvSpPr>
+          <p:cNvPr id="2" name="Title 1">
+            <a:extLst>
+              <a:ext uri="{FF2B5EF4-FFF2-40B4-BE49-F238E27FC236}">
+                <a16:creationId xmlns:a16="http://schemas.microsoft.com/office/drawing/2014/main" id="{EC51CA0A-E8AF-4BDA-C26E-83F1194A775D}"/>
+              </a:ext>
+            </a:extLst>
+          </p:cNvPr>
+          <p:cNvSpPr>
+            <a:spLocks noGrp="1"/>
+          </p:cNvSpPr>
+          <p:nvPr>
+            <p:ph type="title"/>
+          </p:nvPr>
+        </p:nvSpPr>
+        <p:spPr>
+          <a:xfrm>
+            <a:off x="643467" y="321734"/>
+            <a:ext cx="4970877" cy="1135737"/>
+          </a:xfrm>
+        </p:spPr>
+        <p:txBody>
+          <a:bodyPr>
+            <a:normAutofit/>
+          </a:bodyPr>
+          <a:lstStyle/>
+          <a:p>
+            <a:r>
+              <a:rPr lang="en-GB" sz="3600"/>
+              <a:t>Sensor Example: Button</a:t>
+            </a:r>
+            <a:endParaRPr lang="en-IE" sz="3600"/>
+          </a:p>
+        </p:txBody>
+      </p:sp>
+      <p:sp>
+        <p:nvSpPr>
+          <p:cNvPr id="3" name="Content Placeholder 2">
+            <a:extLst>
+              <a:ext uri="{FF2B5EF4-FFF2-40B4-BE49-F238E27FC236}">
+                <a16:creationId xmlns:a16="http://schemas.microsoft.com/office/drawing/2014/main" id="{2B995FF0-DF7C-1F71-FE6B-16268CEA8FE3}"/>
+              </a:ext>
+            </a:extLst>
+          </p:cNvPr>
+          <p:cNvSpPr>
+            <a:spLocks noGrp="1"/>
+          </p:cNvSpPr>
+          <p:nvPr>
+            <p:ph idx="1"/>
+          </p:nvPr>
+        </p:nvSpPr>
+        <p:spPr>
+          <a:xfrm>
+            <a:off x="643468" y="1782981"/>
+            <a:ext cx="4970877" cy="4393982"/>
+          </a:xfrm>
+        </p:spPr>
+        <p:txBody>
+          <a:bodyPr>
+            <a:normAutofit/>
+          </a:bodyPr>
+          <a:lstStyle/>
+          <a:p>
+            <a:pPr marL="0" indent="0">
+              <a:buNone/>
+            </a:pPr>
+            <a:r>
+              <a:rPr lang="en-GB" sz="2000">
+                <a:latin typeface="montserrat" panose="020B0604020202020204" pitchFamily="2" charset="0"/>
+              </a:rPr>
+              <a:t>…”receives a signal or stimulus (e.g. heat or pressure or light or motion etc.) and responds to it in a distinctive manner…”</a:t>
+            </a:r>
+          </a:p>
+          <a:p>
+            <a:pPr marL="0" indent="0">
+              <a:buNone/>
+            </a:pPr>
+            <a:endParaRPr lang="en-GB" sz="2000"/>
+          </a:p>
+          <a:p>
+            <a:r>
+              <a:rPr lang="en-GB" sz="2000"/>
+              <a:t>Input signal/stimulus: Mechanical (press the button)</a:t>
+            </a:r>
+          </a:p>
+          <a:p>
+            <a:r>
+              <a:rPr lang="en-GB" sz="2000"/>
+              <a:t>Response: Close/Open Circuit</a:t>
+            </a:r>
+          </a:p>
+          <a:p>
+            <a:pPr marL="0" indent="0">
+              <a:buNone/>
+            </a:pPr>
+            <a:r>
+              <a:rPr lang="en-GB" sz="2000"/>
+              <a:t>How do we use this to “sense” button press?</a:t>
+            </a:r>
+          </a:p>
+          <a:p>
+            <a:pPr marL="971550" lvl="1" indent="-514350">
+              <a:buFont typeface="+mj-lt"/>
+              <a:buAutoNum type="arabicPeriod"/>
+            </a:pPr>
+            <a:r>
+              <a:rPr lang="en-GB" sz="2000"/>
+              <a:t>Put in a circuit </a:t>
+            </a:r>
+          </a:p>
+          <a:p>
+            <a:pPr marL="971550" lvl="1" indent="-514350">
+              <a:buFont typeface="+mj-lt"/>
+              <a:buAutoNum type="arabicPeriod"/>
+            </a:pPr>
+            <a:r>
+              <a:rPr lang="en-GB" sz="2000"/>
+              <a:t>measure voltage across Button </a:t>
+            </a:r>
+          </a:p>
+          <a:p>
+            <a:pPr marL="971550" lvl="1" indent="-514350">
+              <a:buFont typeface="+mj-lt"/>
+              <a:buAutoNum type="arabicPeriod"/>
+            </a:pPr>
+            <a:r>
+              <a:rPr lang="en-GB" sz="2000"/>
+              <a:t>Convert to digital value (a number) by Arduino</a:t>
+            </a:r>
+          </a:p>
+          <a:p>
+            <a:pPr marL="0" indent="0">
+              <a:buNone/>
+            </a:pPr>
+            <a:endParaRPr lang="en-GB" sz="2000"/>
+          </a:p>
+          <a:p>
+            <a:pPr marL="0" indent="0">
+              <a:buNone/>
+            </a:pPr>
+            <a:endParaRPr lang="en-IE" sz="2000"/>
+          </a:p>
+        </p:txBody>
+      </p:sp>
+      <p:sp>
+        <p:nvSpPr>
+          <p:cNvPr id="3081" name="Isosceles Triangle 3080">
+            <a:extLst>
+              <a:ext uri="{FF2B5EF4-FFF2-40B4-BE49-F238E27FC236}">
+                <a16:creationId xmlns:a16="http://schemas.microsoft.com/office/drawing/2014/main" id="{D3F51FEB-38FB-4F6C-9F7B-2F2AFAB65463}"/>
+              </a:ext>
+              <a:ext uri="{C183D7F6-B498-43B3-948B-1728B52AA6E4}">
+                <adec:decorative xmlns:adec="http://schemas.microsoft.com/office/drawing/2017/decorative" val="1"/>
+              </a:ext>
+            </a:extLst>
+          </p:cNvPr>
+          <p:cNvSpPr>
+            <a:spLocks noGrp="1" noRot="1" noChangeAspect="1" noMove="1" noResize="1" noEditPoints="1" noAdjustHandles="1" noChangeArrowheads="1" noChangeShapeType="1" noTextEdit="1"/>
+          </p:cNvSpPr>
+          <p:nvPr>
+            <p:extLst>
+              <p:ext uri="{386F3935-93C4-4BCD-93E2-E3B085C9AB24}">
+                <p16:designElem xmlns:p16="http://schemas.microsoft.com/office/powerpoint/2015/main" val="1"/>
+              </p:ext>
+            </p:extLst>
+          </p:nvPr>
+        </p:nvSpPr>
+        <p:spPr>
+          <a:xfrm rot="5400000">
+            <a:off x="-501760" y="5103257"/>
+            <a:ext cx="2017580" cy="1014060"/>
+          </a:xfrm>
+          <a:prstGeom prst="triangle">
+            <a:avLst>
+              <a:gd name="adj" fmla="val 50000"/>
+            </a:avLst>
+          </a:prstGeom>
+          <a:solidFill>
+            <a:schemeClr val="accent1">
+              <a:alpha val="30000"/>
+            </a:schemeClr>
+          </a:solidFill>
+          <a:ln>
+            <a:noFill/>
+          </a:ln>
+        </p:spPr>
+        <p:style>
+          <a:lnRef idx="2">
+            <a:schemeClr val="accent1">
+              <a:shade val="50000"/>
+            </a:schemeClr>
+          </a:lnRef>
+          <a:fillRef idx="1">
+            <a:schemeClr val="accent1"/>
+          </a:fillRef>
+          <a:effectRef idx="0">
+            <a:schemeClr val="accent1"/>
+          </a:effectRef>
+          <a:fontRef idx="minor">
+            <a:schemeClr val="lt1"/>
+          </a:fontRef>
+        </p:style>
+        <p:txBody>
+          <a:bodyPr rtlCol="0" anchor="ctr"/>
+          <a:lstStyle/>
+          <a:p>
+            <a:pPr algn="ctr"/>
+            <a:endParaRPr lang="en-US"/>
+          </a:p>
+        </p:txBody>
+      </p:sp>
+      <p:sp>
+        <p:nvSpPr>
+          <p:cNvPr id="3083" name="Rectangle 3082">
+            <a:extLst>
+              <a:ext uri="{FF2B5EF4-FFF2-40B4-BE49-F238E27FC236}">
+                <a16:creationId xmlns:a16="http://schemas.microsoft.com/office/drawing/2014/main" id="{1E547BA6-BAE0-43BB-A7CA-60F69CE252F0}"/>
+              </a:ext>
+              <a:ext uri="{C183D7F6-B498-43B3-948B-1728B52AA6E4}">
+                <adec:decorative xmlns:adec="http://schemas.microsoft.com/office/drawing/2017/decorative" val="1"/>
+              </a:ext>
+            </a:extLst>
+          </p:cNvPr>
+          <p:cNvSpPr>
+            <a:spLocks noGrp="1" noRot="1" noChangeAspect="1" noMove="1" noResize="1" noEditPoints="1" noAdjustHandles="1" noChangeArrowheads="1" noChangeShapeType="1" noTextEdit="1"/>
+          </p:cNvSpPr>
+          <p:nvPr>
+            <p:extLst>
+              <p:ext uri="{386F3935-93C4-4BCD-93E2-E3B085C9AB24}">
+                <p16:designElem xmlns:p16="http://schemas.microsoft.com/office/powerpoint/2015/main" val="1"/>
+              </p:ext>
+            </p:extLst>
+          </p:nvPr>
+        </p:nvSpPr>
+        <p:spPr>
+          <a:xfrm rot="2700000">
+            <a:off x="427916" y="5728708"/>
+            <a:ext cx="485578" cy="485578"/>
+          </a:xfrm>
+          <a:prstGeom prst="rect">
+            <a:avLst/>
+          </a:prstGeom>
+          <a:solidFill>
+            <a:schemeClr val="accent1">
+              <a:alpha val="30000"/>
+            </a:schemeClr>
+          </a:solidFill>
+          <a:ln>
+            <a:noFill/>
+          </a:ln>
+        </p:spPr>
+        <p:style>
+          <a:lnRef idx="2">
+            <a:schemeClr val="accent1">
+              <a:shade val="50000"/>
+            </a:schemeClr>
+          </a:lnRef>
+          <a:fillRef idx="1">
+            <a:schemeClr val="accent1"/>
+          </a:fillRef>
+          <a:effectRef idx="0">
+            <a:schemeClr val="accent1"/>
+          </a:effectRef>
+          <a:fontRef idx="minor">
+            <a:schemeClr val="lt1"/>
+          </a:fontRef>
+        </p:style>
+        <p:txBody>
+          <a:bodyPr rtlCol="0" anchor="ctr"/>
+          <a:lstStyle/>
+          <a:p>
+            <a:pPr algn="ctr"/>
+            <a:endParaRPr lang="en-US"/>
+          </a:p>
+        </p:txBody>
+      </p:sp>
+      <p:pic>
+        <p:nvPicPr>
+          <p:cNvPr id="3074" name="Picture 2" descr="Father Ted Button on Make a GIF">
+            <a:extLst>
+              <a:ext uri="{FF2B5EF4-FFF2-40B4-BE49-F238E27FC236}">
+                <a16:creationId xmlns:a16="http://schemas.microsoft.com/office/drawing/2014/main" id="{BFD04F1F-1C7B-03ED-AC50-29940A2A7C83}"/>
+              </a:ext>
+            </a:extLst>
+          </p:cNvPr>
+          <p:cNvPicPr>
+            <a:picLocks noChangeAspect="1" noChangeArrowheads="1"/>
+          </p:cNvPicPr>
+          <p:nvPr/>
+        </p:nvPicPr>
+        <p:blipFill>
+          <a:blip r:embed="rId3">
+            <a:extLst>
+              <a:ext uri="{28A0092B-C50C-407E-A947-70E740481C1C}">
+                <a14:useLocalDpi xmlns:a14="http://schemas.microsoft.com/office/drawing/2010/main" val="0"/>
+              </a:ext>
+            </a:extLst>
+          </a:blip>
+          <a:stretch>
+            <a:fillRect/>
+          </a:stretch>
+        </p:blipFill>
+        <p:spPr bwMode="auto">
+          <a:xfrm>
+            <a:off x="6257813" y="783639"/>
+            <a:ext cx="5290720" cy="5290720"/>
+          </a:xfrm>
+          <a:prstGeom prst="rect">
+            <a:avLst/>
+          </a:prstGeom>
+          <a:noFill/>
+          <a:extLst>
+            <a:ext uri="{909E8E84-426E-40DD-AFC4-6F175D3DCCD1}">
+              <a14:hiddenFill xmlns:a14="http://schemas.microsoft.com/office/drawing/2010/main">
+                <a:solidFill>
+                  <a:srgbClr val="FFFFFF"/>
+                </a:solidFill>
+              </a14:hiddenFill>
+            </a:ext>
+          </a:extLst>
+        </p:spPr>
+      </p:pic>
+      <p:grpSp>
+        <p:nvGrpSpPr>
+          <p:cNvPr id="3085" name="Group 3084">
+            <a:extLst>
+              <a:ext uri="{FF2B5EF4-FFF2-40B4-BE49-F238E27FC236}">
+                <a16:creationId xmlns:a16="http://schemas.microsoft.com/office/drawing/2014/main" id="{15CBE6EC-46EF-45D9-8E16-DCDC5917CA31}"/>
+              </a:ext>
+              <a:ext uri="{C183D7F6-B498-43B3-948B-1728B52AA6E4}">
+                <adec:decorative xmlns:adec="http://schemas.microsoft.com/office/drawing/2017/decorative" val="1"/>
+              </a:ext>
+            </a:extLst>
+          </p:cNvPr>
+          <p:cNvGrpSpPr>
+            <a:grpSpLocks noGrp="1" noUngrp="1" noRot="1" noChangeAspect="1" noMove="1" noResize="1"/>
+          </p:cNvGrpSpPr>
+          <p:nvPr>
+            <p:extLst>
+              <p:ext uri="{386F3935-93C4-4BCD-93E2-E3B085C9AB24}">
+                <p16:designElem xmlns:p16="http://schemas.microsoft.com/office/powerpoint/2015/main" val="1"/>
+              </p:ext>
+            </p:extLst>
+          </p:nvPr>
+        </p:nvGrpSpPr>
+        <p:grpSpPr>
+          <a:xfrm>
+            <a:off x="11094720" y="0"/>
+            <a:ext cx="1097280" cy="1097280"/>
+            <a:chOff x="11094720" y="0"/>
+            <a:chExt cx="1097280" cy="1097280"/>
+          </a:xfrm>
+        </p:grpSpPr>
+        <p:sp>
+          <p:nvSpPr>
+            <p:cNvPr id="3086" name="Isosceles Triangle 3085">
+              <a:extLst>
+                <a:ext uri="{FF2B5EF4-FFF2-40B4-BE49-F238E27FC236}">
+                  <a16:creationId xmlns:a16="http://schemas.microsoft.com/office/drawing/2014/main" id="{DEEDCD65-9740-4F34-BDF1-9C068E0532C0}"/>
+                </a:ext>
+                <a:ext uri="{C183D7F6-B498-43B3-948B-1728B52AA6E4}">
+                  <adec:decorative xmlns:adec="http://schemas.microsoft.com/office/drawing/2017/decorative" val="1"/>
+                </a:ext>
+              </a:extLst>
+            </p:cNvPr>
+            <p:cNvSpPr/>
+            <p:nvPr>
+              <p:extLst>
+                <p:ext uri="{386F3935-93C4-4BCD-93E2-E3B085C9AB24}">
+                  <p16:designElem xmlns:p16="http://schemas.microsoft.com/office/powerpoint/2015/main" val="1"/>
+                </p:ext>
+              </p:extLst>
+            </p:nvPr>
+          </p:nvSpPr>
+          <p:spPr>
+            <a:xfrm rot="16200000">
+              <a:off x="11094720" y="0"/>
+              <a:ext cx="1097280" cy="1097280"/>
+            </a:xfrm>
+            <a:prstGeom prst="triangle">
+              <a:avLst>
+                <a:gd name="adj" fmla="val 100000"/>
+              </a:avLst>
+            </a:prstGeom>
+            <a:solidFill>
+              <a:schemeClr val="accent4">
+                <a:alpha val="30000"/>
+              </a:schemeClr>
+            </a:solidFill>
+            <a:ln>
+              <a:noFill/>
+            </a:ln>
+          </p:spPr>
+          <p:style>
+            <a:lnRef idx="2">
+              <a:schemeClr val="accent1">
+                <a:shade val="50000"/>
+              </a:schemeClr>
+            </a:lnRef>
+            <a:fillRef idx="1">
+              <a:schemeClr val="accent1"/>
+            </a:fillRef>
+            <a:effectRef idx="0">
+              <a:schemeClr val="accent1"/>
+            </a:effectRef>
+            <a:fontRef idx="minor">
+              <a:schemeClr val="lt1"/>
+            </a:fontRef>
+          </p:style>
+          <p:txBody>
+            <a:bodyPr rtlCol="0" anchor="ctr"/>
+            <a:lstStyle/>
+            <a:p>
+              <a:pPr algn="ctr"/>
+              <a:endParaRPr lang="en-US" dirty="0"/>
+            </a:p>
+          </p:txBody>
+        </p:sp>
+        <p:sp>
+          <p:nvSpPr>
+            <p:cNvPr id="3087" name="Rectangle 3086">
+              <a:extLst>
+                <a:ext uri="{FF2B5EF4-FFF2-40B4-BE49-F238E27FC236}">
+                  <a16:creationId xmlns:a16="http://schemas.microsoft.com/office/drawing/2014/main" id="{4B3DA7FD-5CC0-46D1-9DFB-5BAF6BE249C8}"/>
+                </a:ext>
+                <a:ext uri="{C183D7F6-B498-43B3-948B-1728B52AA6E4}">
+                  <adec:decorative xmlns:adec="http://schemas.microsoft.com/office/drawing/2017/decorative" val="1"/>
+                </a:ext>
+              </a:extLst>
+            </p:cNvPr>
+            <p:cNvSpPr/>
+            <p:nvPr>
+              <p:extLst>
+                <p:ext uri="{386F3935-93C4-4BCD-93E2-E3B085C9AB24}">
+                  <p16:designElem xmlns:p16="http://schemas.microsoft.com/office/powerpoint/2015/main" val="1"/>
+                </p:ext>
+              </p:extLst>
+            </p:nvPr>
+          </p:nvSpPr>
+          <p:spPr>
+            <a:xfrm rot="2700000">
+              <a:off x="11189552" y="127618"/>
+              <a:ext cx="457894" cy="457894"/>
+            </a:xfrm>
+            <a:prstGeom prst="rect">
+              <a:avLst/>
+            </a:prstGeom>
+            <a:solidFill>
+              <a:schemeClr val="accent4">
+                <a:alpha val="30000"/>
+              </a:schemeClr>
+            </a:solidFill>
+            <a:ln>
+              <a:noFill/>
+            </a:ln>
+          </p:spPr>
+          <p:style>
+            <a:lnRef idx="2">
+              <a:schemeClr val="accent1">
+                <a:shade val="50000"/>
+              </a:schemeClr>
+            </a:lnRef>
+            <a:fillRef idx="1">
+              <a:schemeClr val="accent1"/>
+            </a:fillRef>
+            <a:effectRef idx="0">
+              <a:schemeClr val="accent1"/>
+            </a:effectRef>
+            <a:fontRef idx="minor">
+              <a:schemeClr val="lt1"/>
+            </a:fontRef>
+          </p:style>
+          <p:txBody>
+            <a:bodyPr rtlCol="0" anchor="ctr"/>
+            <a:lstStyle/>
+            <a:p>
+              <a:pPr algn="ctr"/>
+              <a:endParaRPr lang="en-US"/>
+            </a:p>
+          </p:txBody>
+        </p:sp>
+      </p:grpSp>
+    </p:spTree>
+    <p:extLst>
+      <p:ext uri="{BB962C8B-B14F-4D97-AF65-F5344CB8AC3E}">
+        <p14:creationId xmlns:p14="http://schemas.microsoft.com/office/powerpoint/2010/main" val="3141259497"/>
+      </p:ext>
+    </p:extLst>
+  </p:cSld>
+  <p:clrMapOvr>
+    <a:masterClrMapping/>
   </p:clrMapOvr>
 </p:sld>
 </file>
